--- a/slides.pptx
+++ b/slides.pptx
@@ -6,10 +6,10 @@
     <p:sldMasterId id="2147493481" r:id="rId5"/>
   </p:sldMasterIdLst>
   <p:notesMasterIdLst>
-    <p:notesMasterId r:id="rId19"/>
+    <p:notesMasterId r:id="rId20"/>
   </p:notesMasterIdLst>
   <p:handoutMasterIdLst>
-    <p:handoutMasterId r:id="rId20"/>
+    <p:handoutMasterId r:id="rId21"/>
   </p:handoutMasterIdLst>
   <p:sldIdLst>
     <p:sldId id="264" r:id="rId6"/>
@@ -23,11 +23,12 @@
     <p:sldId id="272" r:id="rId14"/>
     <p:sldId id="278" r:id="rId15"/>
     <p:sldId id="271" r:id="rId16"/>
-    <p:sldId id="275" r:id="rId17"/>
-    <p:sldId id="280" r:id="rId18"/>
+    <p:sldId id="283" r:id="rId17"/>
+    <p:sldId id="275" r:id="rId18"/>
+    <p:sldId id="280" r:id="rId19"/>
   </p:sldIdLst>
   <p:sldSz cx="9144000" cy="5143500" type="screen16x9"/>
-  <p:notesSz cx="6881813" cy="9661525"/>
+  <p:notesSz cx="6797675" cy="9926638"/>
   <p:defaultTextStyle>
     <a:defPPr>
       <a:defRPr lang="en-US"/>
@@ -176,8 +177,8 @@
         </p:nvSpPr>
         <p:spPr>
           <a:xfrm>
-            <a:off x="0" y="0"/>
-            <a:ext cx="2982119" cy="483076"/>
+            <a:off x="1" y="0"/>
+            <a:ext cx="2945659" cy="496332"/>
           </a:xfrm>
           <a:prstGeom prst="rect">
             <a:avLst/>
@@ -207,8 +208,8 @@
         </p:nvSpPr>
         <p:spPr>
           <a:xfrm>
-            <a:off x="3898102" y="0"/>
-            <a:ext cx="2982119" cy="483076"/>
+            <a:off x="3850444" y="0"/>
+            <a:ext cx="2945659" cy="496332"/>
           </a:xfrm>
           <a:prstGeom prst="rect">
             <a:avLst/>
@@ -224,7 +225,7 @@
           <a:p>
             <a:fld id="{1869EC12-32BB-B84B-964B-77CD8A6EA5B5}" type="datetimeFigureOut">
               <a:rPr lang="de-DE" smtClean="0"/>
-              <a:t>20.05.2017</a:t>
+              <a:t>21.05.2017</a:t>
             </a:fld>
             <a:endParaRPr lang="de-DE" dirty="0"/>
           </a:p>
@@ -242,8 +243,8 @@
         </p:nvSpPr>
         <p:spPr>
           <a:xfrm>
-            <a:off x="0" y="9176772"/>
-            <a:ext cx="2982119" cy="483076"/>
+            <a:off x="1" y="9428583"/>
+            <a:ext cx="2945659" cy="496332"/>
           </a:xfrm>
           <a:prstGeom prst="rect">
             <a:avLst/>
@@ -273,8 +274,8 @@
         </p:nvSpPr>
         <p:spPr>
           <a:xfrm>
-            <a:off x="3898102" y="9176772"/>
-            <a:ext cx="2982119" cy="483076"/>
+            <a:off x="3850444" y="9428583"/>
+            <a:ext cx="2945659" cy="496332"/>
           </a:xfrm>
           <a:prstGeom prst="rect">
             <a:avLst/>
@@ -342,8 +343,8 @@
         </p:nvSpPr>
         <p:spPr>
           <a:xfrm>
-            <a:off x="0" y="0"/>
-            <a:ext cx="2982119" cy="483076"/>
+            <a:off x="1" y="0"/>
+            <a:ext cx="2945659" cy="496332"/>
           </a:xfrm>
           <a:prstGeom prst="rect">
             <a:avLst/>
@@ -373,8 +374,8 @@
         </p:nvSpPr>
         <p:spPr>
           <a:xfrm>
-            <a:off x="3898102" y="0"/>
-            <a:ext cx="2982119" cy="483076"/>
+            <a:off x="3850444" y="0"/>
+            <a:ext cx="2945659" cy="496332"/>
           </a:xfrm>
           <a:prstGeom prst="rect">
             <a:avLst/>
@@ -390,7 +391,7 @@
           <a:p>
             <a:fld id="{396D8CEF-220A-EC43-8099-BAE7D65DBE3D}" type="datetimeFigureOut">
               <a:rPr lang="de-DE" smtClean="0"/>
-              <a:t>20.05.2017</a:t>
+              <a:t>21.05.2017</a:t>
             </a:fld>
             <a:endParaRPr lang="de-DE" dirty="0"/>
           </a:p>
@@ -408,8 +409,8 @@
         </p:nvSpPr>
         <p:spPr>
           <a:xfrm>
-            <a:off x="220663" y="723900"/>
-            <a:ext cx="6440487" cy="3624263"/>
+            <a:off x="90488" y="744538"/>
+            <a:ext cx="6616700" cy="3722687"/>
           </a:xfrm>
           <a:prstGeom prst="rect">
             <a:avLst/>
@@ -441,8 +442,8 @@
         </p:nvSpPr>
         <p:spPr>
           <a:xfrm>
-            <a:off x="688182" y="4589225"/>
-            <a:ext cx="5505450" cy="4347686"/>
+            <a:off x="679768" y="4715154"/>
+            <a:ext cx="5438140" cy="4466987"/>
           </a:xfrm>
           <a:prstGeom prst="rect">
             <a:avLst/>
@@ -500,8 +501,8 @@
         </p:nvSpPr>
         <p:spPr>
           <a:xfrm>
-            <a:off x="0" y="9176772"/>
-            <a:ext cx="2982119" cy="483076"/>
+            <a:off x="1" y="9428583"/>
+            <a:ext cx="2945659" cy="496332"/>
           </a:xfrm>
           <a:prstGeom prst="rect">
             <a:avLst/>
@@ -531,8 +532,8 @@
         </p:nvSpPr>
         <p:spPr>
           <a:xfrm>
-            <a:off x="3898102" y="9176772"/>
-            <a:ext cx="2982119" cy="483076"/>
+            <a:off x="3850444" y="9428583"/>
+            <a:ext cx="2945659" cy="496332"/>
           </a:xfrm>
           <a:prstGeom prst="rect">
             <a:avLst/>
@@ -656,6 +657,154 @@
     </a:lvl9pPr>
   </p:notesStyle>
 </p:notesMaster>
+</file>
+
+<file path=ppt/notesSlides/notesSlide1.xml><?xml version="1.0" encoding="utf-8"?>
+<p:notes xmlns:a="http://schemas.openxmlformats.org/drawingml/2006/main" xmlns:r="http://schemas.openxmlformats.org/officeDocument/2006/relationships" xmlns:p="http://schemas.openxmlformats.org/presentationml/2006/main">
+  <p:cSld>
+    <p:spTree>
+      <p:nvGrpSpPr>
+        <p:cNvPr id="1" name=""/>
+        <p:cNvGrpSpPr/>
+        <p:nvPr/>
+      </p:nvGrpSpPr>
+      <p:grpSpPr>
+        <a:xfrm>
+          <a:off x="0" y="0"/>
+          <a:ext cx="0" cy="0"/>
+          <a:chOff x="0" y="0"/>
+          <a:chExt cx="0" cy="0"/>
+        </a:xfrm>
+      </p:grpSpPr>
+      <p:sp>
+        <p:nvSpPr>
+          <p:cNvPr id="2" name="Folienbildplatzhalter 1"/>
+          <p:cNvSpPr>
+            <a:spLocks noGrp="1" noRot="1" noChangeAspect="1"/>
+          </p:cNvSpPr>
+          <p:nvPr>
+            <p:ph type="sldImg"/>
+          </p:nvPr>
+        </p:nvSpPr>
+        <p:spPr/>
+      </p:sp>
+      <p:sp>
+        <p:nvSpPr>
+          <p:cNvPr id="3" name="Notizenplatzhalter 2"/>
+          <p:cNvSpPr>
+            <a:spLocks noGrp="1"/>
+          </p:cNvSpPr>
+          <p:nvPr>
+            <p:ph type="body" idx="1"/>
+          </p:nvPr>
+        </p:nvSpPr>
+        <p:spPr/>
+        <p:txBody>
+          <a:bodyPr/>
+          <a:lstStyle/>
+          <a:p>
+            <a:r>
+              <a:rPr lang="de-DE" dirty="0" smtClean="0"/>
+              <a:t>Hypertext</a:t>
+            </a:r>
+            <a:r>
+              <a:rPr lang="de-DE" baseline="0" dirty="0" smtClean="0"/>
+              <a:t> </a:t>
+            </a:r>
+            <a:r>
+              <a:rPr lang="de-DE" baseline="0" dirty="0" err="1" smtClean="0"/>
+              <a:t>Application</a:t>
+            </a:r>
+            <a:r>
+              <a:rPr lang="de-DE" baseline="0" dirty="0" smtClean="0"/>
+              <a:t> Language: JSON/XML + Links (Siehe Postman)</a:t>
+            </a:r>
+          </a:p>
+          <a:p>
+            <a:r>
+              <a:rPr lang="de-DE" baseline="0" dirty="0" smtClean="0"/>
+              <a:t>Hypermedia As The Engine </a:t>
+            </a:r>
+            <a:r>
+              <a:rPr lang="de-DE" baseline="0" dirty="0" err="1" smtClean="0"/>
+              <a:t>Of</a:t>
+            </a:r>
+            <a:r>
+              <a:rPr lang="de-DE" baseline="0" dirty="0" smtClean="0"/>
+              <a:t> </a:t>
+            </a:r>
+            <a:r>
+              <a:rPr lang="de-DE" baseline="0" dirty="0" err="1" smtClean="0"/>
+              <a:t>Application</a:t>
+            </a:r>
+            <a:r>
+              <a:rPr lang="de-DE" baseline="0" dirty="0" smtClean="0"/>
+              <a:t> State</a:t>
+            </a:r>
+          </a:p>
+          <a:p>
+            <a:r>
+              <a:rPr lang="de-DE" baseline="0" dirty="0" smtClean="0"/>
+              <a:t>(Alps: siehe </a:t>
+            </a:r>
+            <a:r>
+              <a:rPr lang="de-DE" baseline="0" dirty="0" err="1" smtClean="0"/>
+              <a:t>profile</a:t>
+            </a:r>
+            <a:r>
+              <a:rPr lang="de-DE" baseline="0" dirty="0" smtClean="0"/>
+              <a:t> von </a:t>
+            </a:r>
+            <a:r>
+              <a:rPr lang="de-DE" baseline="0" dirty="0" err="1" smtClean="0"/>
+              <a:t>events</a:t>
+            </a:r>
+            <a:r>
+              <a:rPr lang="de-DE" baseline="0" dirty="0" smtClean="0"/>
+              <a:t> </a:t>
+            </a:r>
+            <a:r>
+              <a:rPr lang="de-DE" baseline="0" smtClean="0"/>
+              <a:t>für sinnvolle dinge)</a:t>
+            </a:r>
+            <a:endParaRPr lang="de-DE" baseline="0" dirty="0" smtClean="0"/>
+          </a:p>
+        </p:txBody>
+      </p:sp>
+      <p:sp>
+        <p:nvSpPr>
+          <p:cNvPr id="4" name="Foliennummernplatzhalter 3"/>
+          <p:cNvSpPr>
+            <a:spLocks noGrp="1"/>
+          </p:cNvSpPr>
+          <p:nvPr>
+            <p:ph type="sldNum" sz="quarter" idx="10"/>
+          </p:nvPr>
+        </p:nvSpPr>
+        <p:spPr/>
+        <p:txBody>
+          <a:bodyPr/>
+          <a:lstStyle/>
+          <a:p>
+            <a:fld id="{5F0FCDCF-7A11-A043-9155-2050B044F50A}" type="slidenum">
+              <a:rPr lang="de-DE" smtClean="0"/>
+              <a:t>12</a:t>
+            </a:fld>
+            <a:endParaRPr lang="de-DE" dirty="0"/>
+          </a:p>
+        </p:txBody>
+      </p:sp>
+    </p:spTree>
+    <p:extLst>
+      <p:ext uri="{BB962C8B-B14F-4D97-AF65-F5344CB8AC3E}">
+        <p14:creationId xmlns:p14="http://schemas.microsoft.com/office/powerpoint/2010/main" val="1107519535"/>
+      </p:ext>
+    </p:extLst>
+  </p:cSld>
+  <p:clrMapOvr>
+    <a:masterClrMapping/>
+  </p:clrMapOvr>
+</p:notes>
 </file>
 
 <file path=ppt/slideLayouts/slideLayout1.xml><?xml version="1.0" encoding="utf-8"?>
@@ -5850,7 +5999,7 @@
           <a:p>
             <a:r>
               <a:rPr lang="de-DE" dirty="0"/>
-              <a:t>30 min</a:t>
+              <a:t>10 min</a:t>
             </a:r>
             <a:endParaRPr lang="en-GB" dirty="0"/>
           </a:p>
@@ -5920,7 +6069,11 @@
           <a:p>
             <a:r>
               <a:rPr lang="de-DE" dirty="0"/>
-              <a:t>DAO umbauen (mit Links)</a:t>
+              <a:t>Theorie: </a:t>
+            </a:r>
+            <a:r>
+              <a:rPr lang="de-DE" dirty="0" smtClean="0"/>
+              <a:t>REST, HAL, HATEOAS</a:t>
             </a:r>
             <a:endParaRPr lang="en-GB" dirty="0"/>
           </a:p>
@@ -5938,23 +6091,95 @@
         </p:nvSpPr>
         <p:spPr/>
         <p:txBody>
-          <a:bodyPr/>
-          <a:lstStyle/>
-          <a:p>
-            <a:endParaRPr lang="en-GB"/>
-          </a:p>
-        </p:txBody>
-      </p:sp>
+          <a:bodyPr>
+            <a:normAutofit/>
+          </a:bodyPr>
+          <a:lstStyle/>
+          <a:p>
+            <a:endParaRPr lang="en-GB" dirty="0" smtClean="0"/>
+          </a:p>
+          <a:p>
+            <a:endParaRPr lang="en-GB" dirty="0"/>
+          </a:p>
+          <a:p>
+            <a:endParaRPr lang="en-GB" dirty="0" smtClean="0"/>
+          </a:p>
+          <a:p>
+            <a:endParaRPr lang="en-GB" dirty="0"/>
+          </a:p>
+          <a:p>
+            <a:endParaRPr lang="en-GB" dirty="0" smtClean="0"/>
+          </a:p>
+          <a:p>
+            <a:endParaRPr lang="en-GB" dirty="0"/>
+          </a:p>
+          <a:p>
+            <a:endParaRPr lang="en-GB" dirty="0" smtClean="0"/>
+          </a:p>
+          <a:p>
+            <a:pPr algn="r"/>
+            <a:r>
+              <a:rPr lang="en-GB" dirty="0" err="1" smtClean="0"/>
+              <a:t>Quelle</a:t>
+            </a:r>
+            <a:r>
+              <a:rPr lang="en-GB" dirty="0" smtClean="0"/>
+              <a:t>: Martin Fowler</a:t>
+            </a:r>
+            <a:r>
+              <a:rPr lang="en-GB" dirty="0"/>
+              <a:t>, https://martinfowler.com/articles/richardsonMaturityModel.html</a:t>
+            </a:r>
+          </a:p>
+        </p:txBody>
+      </p:sp>
+      <p:pic>
+        <p:nvPicPr>
+          <p:cNvPr id="7" name="Grafik 6"/>
+          <p:cNvPicPr>
+            <a:picLocks noChangeAspect="1"/>
+          </p:cNvPicPr>
+          <p:nvPr/>
+        </p:nvPicPr>
+        <p:blipFill>
+          <a:blip r:embed="rId3">
+            <a:extLst>
+              <a:ext uri="{28A0092B-C50C-407E-A947-70E740481C1C}">
+                <a14:useLocalDpi xmlns:a14="http://schemas.microsoft.com/office/drawing/2010/main" val="0"/>
+              </a:ext>
+            </a:extLst>
+          </a:blip>
+          <a:stretch>
+            <a:fillRect/>
+          </a:stretch>
+        </p:blipFill>
+        <p:spPr>
+          <a:xfrm>
+            <a:off x="972466" y="1369196"/>
+            <a:ext cx="5127619" cy="3032381"/>
+          </a:xfrm>
+          <a:prstGeom prst="rect">
+            <a:avLst/>
+          </a:prstGeom>
+        </p:spPr>
+      </p:pic>
     </p:spTree>
     <p:extLst>
       <p:ext uri="{BB962C8B-B14F-4D97-AF65-F5344CB8AC3E}">
-        <p14:creationId xmlns:p14="http://schemas.microsoft.com/office/powerpoint/2010/main" val="3239943257"/>
+        <p14:creationId xmlns:p14="http://schemas.microsoft.com/office/powerpoint/2010/main" val="124195814"/>
       </p:ext>
     </p:extLst>
   </p:cSld>
   <p:clrMapOvr>
     <a:masterClrMapping/>
   </p:clrMapOvr>
+  <p:timing>
+    <p:tnLst>
+      <p:par>
+        <p:cTn id="1" dur="indefinite" restart="never" nodeType="tmRoot"/>
+      </p:par>
+    </p:tnLst>
+  </p:timing>
 </p:sld>
 </file>
 
@@ -5994,7 +6219,7 @@
           <a:p>
             <a:r>
               <a:rPr lang="de-DE" dirty="0"/>
-              <a:t>15 min</a:t>
+              <a:t>30 min</a:t>
             </a:r>
             <a:endParaRPr lang="en-GB" dirty="0"/>
           </a:p>
@@ -6042,6 +6267,150 @@
               <a:rPr lang="de-DE" smtClean="0"/>
               <a:pPr/>
               <a:t>13</a:t>
+            </a:fld>
+            <a:endParaRPr lang="de-DE" dirty="0"/>
+          </a:p>
+        </p:txBody>
+      </p:sp>
+      <p:sp>
+        <p:nvSpPr>
+          <p:cNvPr id="5" name="Titel 4"/>
+          <p:cNvSpPr>
+            <a:spLocks noGrp="1"/>
+          </p:cNvSpPr>
+          <p:nvPr>
+            <p:ph type="title"/>
+          </p:nvPr>
+        </p:nvSpPr>
+        <p:spPr/>
+        <p:txBody>
+          <a:bodyPr/>
+          <a:lstStyle/>
+          <a:p>
+            <a:r>
+              <a:rPr lang="de-DE" dirty="0"/>
+              <a:t>DAO umbauen (mit Links)</a:t>
+            </a:r>
+            <a:endParaRPr lang="en-GB" dirty="0"/>
+          </a:p>
+        </p:txBody>
+      </p:sp>
+      <p:sp>
+        <p:nvSpPr>
+          <p:cNvPr id="6" name="Textplatzhalter 5"/>
+          <p:cNvSpPr>
+            <a:spLocks noGrp="1"/>
+          </p:cNvSpPr>
+          <p:nvPr>
+            <p:ph type="body" sz="quarter" idx="12"/>
+          </p:nvPr>
+        </p:nvSpPr>
+        <p:spPr/>
+        <p:txBody>
+          <a:bodyPr/>
+          <a:lstStyle/>
+          <a:p>
+            <a:endParaRPr lang="en-GB"/>
+          </a:p>
+        </p:txBody>
+      </p:sp>
+    </p:spTree>
+    <p:extLst>
+      <p:ext uri="{BB962C8B-B14F-4D97-AF65-F5344CB8AC3E}">
+        <p14:creationId xmlns:p14="http://schemas.microsoft.com/office/powerpoint/2010/main" val="3239943257"/>
+      </p:ext>
+    </p:extLst>
+  </p:cSld>
+  <p:clrMapOvr>
+    <a:masterClrMapping/>
+  </p:clrMapOvr>
+</p:sld>
+</file>
+
+<file path=ppt/slides/slide14.xml><?xml version="1.0" encoding="utf-8"?>
+<p:sld xmlns:a="http://schemas.openxmlformats.org/drawingml/2006/main" xmlns:r="http://schemas.openxmlformats.org/officeDocument/2006/relationships" xmlns:p="http://schemas.openxmlformats.org/presentationml/2006/main">
+  <p:cSld>
+    <p:spTree>
+      <p:nvGrpSpPr>
+        <p:cNvPr id="1" name=""/>
+        <p:cNvGrpSpPr/>
+        <p:nvPr/>
+      </p:nvGrpSpPr>
+      <p:grpSpPr>
+        <a:xfrm>
+          <a:off x="0" y="0"/>
+          <a:ext cx="0" cy="0"/>
+          <a:chOff x="0" y="0"/>
+          <a:chExt cx="0" cy="0"/>
+        </a:xfrm>
+      </p:grpSpPr>
+      <p:sp>
+        <p:nvSpPr>
+          <p:cNvPr id="2" name="Textplatzhalter 1"/>
+          <p:cNvSpPr>
+            <a:spLocks noGrp="1"/>
+          </p:cNvSpPr>
+          <p:nvPr>
+            <p:ph type="body" sz="half" idx="2"/>
+          </p:nvPr>
+        </p:nvSpPr>
+        <p:spPr/>
+        <p:txBody>
+          <a:bodyPr>
+            <a:normAutofit fontScale="85000" lnSpcReduction="10000"/>
+          </a:bodyPr>
+          <a:lstStyle/>
+          <a:p>
+            <a:r>
+              <a:rPr lang="de-DE" dirty="0"/>
+              <a:t>15 min</a:t>
+            </a:r>
+            <a:endParaRPr lang="en-GB" dirty="0"/>
+          </a:p>
+        </p:txBody>
+      </p:sp>
+      <p:sp>
+        <p:nvSpPr>
+          <p:cNvPr id="3" name="Fußzeilenplatzhalter 2"/>
+          <p:cNvSpPr>
+            <a:spLocks noGrp="1"/>
+          </p:cNvSpPr>
+          <p:nvPr>
+            <p:ph type="ftr" sz="quarter" idx="10"/>
+          </p:nvPr>
+        </p:nvSpPr>
+        <p:spPr/>
+        <p:txBody>
+          <a:bodyPr/>
+          <a:lstStyle/>
+          <a:p>
+            <a:r>
+              <a:rPr lang="en-US"/>
+              <a:t>Experts in agile software engineering</a:t>
+            </a:r>
+            <a:endParaRPr lang="de-DE" dirty="0"/>
+          </a:p>
+        </p:txBody>
+      </p:sp>
+      <p:sp>
+        <p:nvSpPr>
+          <p:cNvPr id="4" name="Foliennummernplatzhalter 3"/>
+          <p:cNvSpPr>
+            <a:spLocks noGrp="1"/>
+          </p:cNvSpPr>
+          <p:nvPr>
+            <p:ph type="sldNum" sz="quarter" idx="11"/>
+          </p:nvPr>
+        </p:nvSpPr>
+        <p:spPr/>
+        <p:txBody>
+          <a:bodyPr/>
+          <a:lstStyle/>
+          <a:p>
+            <a:fld id="{6C6AE60A-B69C-4790-82F7-3882EDF23186}" type="slidenum">
+              <a:rPr lang="de-DE" smtClean="0"/>
+              <a:pPr/>
+              <a:t>14</a:t>
             </a:fld>
             <a:endParaRPr lang="de-DE" dirty="0"/>
           </a:p>
@@ -8914,6 +9283,15 @@
 </file>
 
 <file path=customXml/item2.xml><?xml version="1.0" encoding="utf-8"?>
+<?mso-contentType ?>
+<FormTemplates xmlns="http://schemas.microsoft.com/sharepoint/v3/contenttype/forms">
+  <Display>DocumentLibraryForm</Display>
+  <Edit>DocumentLibraryForm</Edit>
+  <New>DocumentLibraryForm</New>
+</FormTemplates>
+</file>
+
+<file path=customXml/item3.xml><?xml version="1.0" encoding="utf-8"?>
 <ct:contentTypeSchema xmlns:ct="http://schemas.microsoft.com/office/2006/metadata/contentType" xmlns:ma="http://schemas.microsoft.com/office/2006/metadata/properties/metaAttributes" ct:_="" ma:_="" ma:contentTypeName="Document" ma:contentTypeID="0x0101000DE64AEEDD9B7A4D93545ACBE97D4615" ma:contentTypeVersion="2" ma:contentTypeDescription="Create a new document." ma:contentTypeScope="" ma:versionID="f49002b78e3a4a71b814eef46a983816">
   <xsd:schema xmlns:xsd="http://www.w3.org/2001/XMLSchema" xmlns:xs="http://www.w3.org/2001/XMLSchema" xmlns:p="http://schemas.microsoft.com/office/2006/metadata/properties" xmlns:ns2="http://schemas.microsoft.com/sharepoint/v3/fields" targetNamespace="http://schemas.microsoft.com/office/2006/metadata/properties" ma:root="true" ma:fieldsID="38f6db2dd0d9a0cf6a8dc37be32b365b" ns2:_="">
     <xsd:import namespace="http://schemas.microsoft.com/sharepoint/v3/fields"/>
@@ -9057,32 +9435,31 @@
 </ct:contentTypeSchema>
 </file>
 
-<file path=customXml/item3.xml><?xml version="1.0" encoding="utf-8"?>
-<?mso-contentType ?>
-<FormTemplates xmlns="http://schemas.microsoft.com/sharepoint/v3/contenttype/forms">
-  <Display>DocumentLibraryForm</Display>
-  <Edit>DocumentLibraryForm</Edit>
-  <New>DocumentLibraryForm</New>
-</FormTemplates>
-</file>
-
 <file path=customXml/itemProps1.xml><?xml version="1.0" encoding="utf-8"?>
 <ds:datastoreItem xmlns:ds="http://schemas.openxmlformats.org/officeDocument/2006/customXml" ds:itemID="{7B6F2769-7194-4217-93D3-3AF3A4742282}">
   <ds:schemaRefs>
+    <ds:schemaRef ds:uri="http://schemas.microsoft.com/office/infopath/2007/PartnerControls"/>
     <ds:schemaRef ds:uri="http://schemas.microsoft.com/office/2006/metadata/properties"/>
     <ds:schemaRef ds:uri="http://purl.org/dc/terms/"/>
+    <ds:schemaRef ds:uri="http://purl.org/dc/elements/1.1/"/>
+    <ds:schemaRef ds:uri="http://purl.org/dc/dcmitype/"/>
+    <ds:schemaRef ds:uri="http://www.w3.org/XML/1998/namespace"/>
+    <ds:schemaRef ds:uri="http://schemas.microsoft.com/sharepoint/v3/fields"/>
+    <ds:schemaRef ds:uri="http://schemas.microsoft.com/office/2006/documentManagement/types"/>
     <ds:schemaRef ds:uri="http://schemas.openxmlformats.org/package/2006/metadata/core-properties"/>
-    <ds:schemaRef ds:uri="http://purl.org/dc/elements/1.1/"/>
-    <ds:schemaRef ds:uri="http://schemas.microsoft.com/office/2006/documentManagement/types"/>
-    <ds:schemaRef ds:uri="http://purl.org/dc/dcmitype/"/>
-    <ds:schemaRef ds:uri="http://schemas.microsoft.com/office/infopath/2007/PartnerControls"/>
-    <ds:schemaRef ds:uri="http://schemas.microsoft.com/sharepoint/v3/fields"/>
-    <ds:schemaRef ds:uri="http://www.w3.org/XML/1998/namespace"/>
   </ds:schemaRefs>
 </ds:datastoreItem>
 </file>
 
 <file path=customXml/itemProps2.xml><?xml version="1.0" encoding="utf-8"?>
+<ds:datastoreItem xmlns:ds="http://schemas.openxmlformats.org/officeDocument/2006/customXml" ds:itemID="{87D2A1B0-FF3E-4009-940D-AED0EB70AA20}">
+  <ds:schemaRefs>
+    <ds:schemaRef ds:uri="http://schemas.microsoft.com/sharepoint/v3/contenttype/forms"/>
+  </ds:schemaRefs>
+</ds:datastoreItem>
+</file>
+
+<file path=customXml/itemProps3.xml><?xml version="1.0" encoding="utf-8"?>
 <ds:datastoreItem xmlns:ds="http://schemas.openxmlformats.org/officeDocument/2006/customXml" ds:itemID="{E4214858-785C-42F7-BE66-6D0E79395FC8}">
   <ds:schemaRefs>
     <ds:schemaRef ds:uri="http://schemas.microsoft.com/office/2006/metadata/contentType"/>
@@ -9098,12 +9475,4 @@
     <ds:schemaRef ds:uri="http://schemas.microsoft.com/internal/obd"/>
   </ds:schemaRefs>
 </ds:datastoreItem>
-</file>
-
-<file path=customXml/itemProps3.xml><?xml version="1.0" encoding="utf-8"?>
-<ds:datastoreItem xmlns:ds="http://schemas.openxmlformats.org/officeDocument/2006/customXml" ds:itemID="{87D2A1B0-FF3E-4009-940D-AED0EB70AA20}">
-  <ds:schemaRefs>
-    <ds:schemaRef ds:uri="http://schemas.microsoft.com/sharepoint/v3/contenttype/forms"/>
-  </ds:schemaRefs>
-</ds:datastoreItem>
 </file>
--- a/slides.pptx
+++ b/slides.pptx
@@ -6,10 +6,10 @@
     <p:sldMasterId id="2147493481" r:id="rId5"/>
   </p:sldMasterIdLst>
   <p:notesMasterIdLst>
-    <p:notesMasterId r:id="rId19"/>
+    <p:notesMasterId r:id="rId20"/>
   </p:notesMasterIdLst>
   <p:handoutMasterIdLst>
-    <p:handoutMasterId r:id="rId20"/>
+    <p:handoutMasterId r:id="rId21"/>
   </p:handoutMasterIdLst>
   <p:sldIdLst>
     <p:sldId id="264" r:id="rId6"/>
@@ -24,7 +24,8 @@
     <p:sldId id="278" r:id="rId15"/>
     <p:sldId id="271" r:id="rId16"/>
     <p:sldId id="275" r:id="rId17"/>
-    <p:sldId id="280" r:id="rId18"/>
+    <p:sldId id="283" r:id="rId18"/>
+    <p:sldId id="280" r:id="rId19"/>
   </p:sldIdLst>
   <p:sldSz cx="9144000" cy="5143500" type="screen16x9"/>
   <p:notesSz cx="6881813" cy="9661525"/>
@@ -142,6 +143,10 @@
 </p:presentation>
 </file>
 
+<file path=ppt/revisionInfo.xml><?xml version="1.0" encoding="utf-8"?>
+<p1510:revInfo xmlns:a="http://schemas.openxmlformats.org/drawingml/2006/main" xmlns:r="http://schemas.openxmlformats.org/officeDocument/2006/relationships" xmlns:p1510="http://schemas.microsoft.com/office/powerpoint/2015/10/main"/>
+</file>
+
 <file path=ppt/handoutMasters/handoutMaster1.xml><?xml version="1.0" encoding="utf-8"?>
 <p:handoutMaster xmlns:a="http://schemas.openxmlformats.org/drawingml/2006/main" xmlns:r="http://schemas.openxmlformats.org/officeDocument/2006/relationships" xmlns:p="http://schemas.openxmlformats.org/presentationml/2006/main">
   <p:cSld>
@@ -224,7 +229,7 @@
           <a:p>
             <a:fld id="{1869EC12-32BB-B84B-964B-77CD8A6EA5B5}" type="datetimeFigureOut">
               <a:rPr lang="de-DE" smtClean="0"/>
-              <a:t>20.05.2017</a:t>
+              <a:t>23.05.2017</a:t>
             </a:fld>
             <a:endParaRPr lang="de-DE" dirty="0"/>
           </a:p>
@@ -390,7 +395,7 @@
           <a:p>
             <a:fld id="{396D8CEF-220A-EC43-8099-BAE7D65DBE3D}" type="datetimeFigureOut">
               <a:rPr lang="de-DE" smtClean="0"/>
-              <a:t>20.05.2017</a:t>
+              <a:t>23.05.2017</a:t>
             </a:fld>
             <a:endParaRPr lang="de-DE" dirty="0"/>
           </a:p>
@@ -656,6 +661,603 @@
     </a:lvl9pPr>
   </p:notesStyle>
 </p:notesMaster>
+</file>
+
+<file path=ppt/notesSlides/notesSlide1.xml><?xml version="1.0" encoding="utf-8"?>
+<p:notes xmlns:a="http://schemas.openxmlformats.org/drawingml/2006/main" xmlns:r="http://schemas.openxmlformats.org/officeDocument/2006/relationships" xmlns:p="http://schemas.openxmlformats.org/presentationml/2006/main">
+  <p:cSld>
+    <p:spTree>
+      <p:nvGrpSpPr>
+        <p:cNvPr id="1" name=""/>
+        <p:cNvGrpSpPr/>
+        <p:nvPr/>
+      </p:nvGrpSpPr>
+      <p:grpSpPr>
+        <a:xfrm>
+          <a:off x="0" y="0"/>
+          <a:ext cx="0" cy="0"/>
+          <a:chOff x="0" y="0"/>
+          <a:chExt cx="0" cy="0"/>
+        </a:xfrm>
+      </p:grpSpPr>
+      <p:sp>
+        <p:nvSpPr>
+          <p:cNvPr id="2" name="Folienbildplatzhalter 1"/>
+          <p:cNvSpPr>
+            <a:spLocks noGrp="1" noRot="1" noChangeAspect="1"/>
+          </p:cNvSpPr>
+          <p:nvPr>
+            <p:ph type="sldImg"/>
+          </p:nvPr>
+        </p:nvSpPr>
+        <p:spPr/>
+      </p:sp>
+      <p:sp>
+        <p:nvSpPr>
+          <p:cNvPr id="3" name="Notizenplatzhalter 2"/>
+          <p:cNvSpPr>
+            <a:spLocks noGrp="1"/>
+          </p:cNvSpPr>
+          <p:nvPr>
+            <p:ph type="body" idx="1"/>
+          </p:nvPr>
+        </p:nvSpPr>
+        <p:spPr/>
+        <p:txBody>
+          <a:bodyPr/>
+          <a:lstStyle/>
+          <a:p>
+            <a:r>
+              <a:rPr lang="de-DE" dirty="0"/>
+              <a:t>Fachlichkeit</a:t>
+            </a:r>
+          </a:p>
+          <a:p>
+            <a:r>
+              <a:rPr lang="de-DE" dirty="0"/>
+              <a:t>Einstieg über </a:t>
+            </a:r>
+            <a:r>
+              <a:rPr lang="de-DE" dirty="0" err="1"/>
+              <a:t>pom</a:t>
+            </a:r>
+            <a:endParaRPr lang="en-GB" dirty="0"/>
+          </a:p>
+        </p:txBody>
+      </p:sp>
+      <p:sp>
+        <p:nvSpPr>
+          <p:cNvPr id="4" name="Foliennummernplatzhalter 3"/>
+          <p:cNvSpPr>
+            <a:spLocks noGrp="1"/>
+          </p:cNvSpPr>
+          <p:nvPr>
+            <p:ph type="sldNum" sz="quarter" idx="10"/>
+          </p:nvPr>
+        </p:nvSpPr>
+        <p:spPr/>
+        <p:txBody>
+          <a:bodyPr/>
+          <a:lstStyle/>
+          <a:p>
+            <a:fld id="{5F0FCDCF-7A11-A043-9155-2050B044F50A}" type="slidenum">
+              <a:rPr lang="de-DE" smtClean="0"/>
+              <a:t>5</a:t>
+            </a:fld>
+            <a:endParaRPr lang="de-DE" dirty="0"/>
+          </a:p>
+        </p:txBody>
+      </p:sp>
+    </p:spTree>
+    <p:extLst>
+      <p:ext uri="{BB962C8B-B14F-4D97-AF65-F5344CB8AC3E}">
+        <p14:creationId xmlns:p14="http://schemas.microsoft.com/office/powerpoint/2010/main" val="4016670812"/>
+      </p:ext>
+    </p:extLst>
+  </p:cSld>
+  <p:clrMapOvr>
+    <a:masterClrMapping/>
+  </p:clrMapOvr>
+</p:notes>
+</file>
+
+<file path=ppt/notesSlides/notesSlide2.xml><?xml version="1.0" encoding="utf-8"?>
+<p:notes xmlns:a="http://schemas.openxmlformats.org/drawingml/2006/main" xmlns:r="http://schemas.openxmlformats.org/officeDocument/2006/relationships" xmlns:p="http://schemas.openxmlformats.org/presentationml/2006/main">
+  <p:cSld>
+    <p:spTree>
+      <p:nvGrpSpPr>
+        <p:cNvPr id="1" name=""/>
+        <p:cNvGrpSpPr/>
+        <p:nvPr/>
+      </p:nvGrpSpPr>
+      <p:grpSpPr>
+        <a:xfrm>
+          <a:off x="0" y="0"/>
+          <a:ext cx="0" cy="0"/>
+          <a:chOff x="0" y="0"/>
+          <a:chExt cx="0" cy="0"/>
+        </a:xfrm>
+      </p:grpSpPr>
+      <p:sp>
+        <p:nvSpPr>
+          <p:cNvPr id="2" name="Folienbildplatzhalter 1"/>
+          <p:cNvSpPr>
+            <a:spLocks noGrp="1" noRot="1" noChangeAspect="1"/>
+          </p:cNvSpPr>
+          <p:nvPr>
+            <p:ph type="sldImg"/>
+          </p:nvPr>
+        </p:nvSpPr>
+        <p:spPr/>
+      </p:sp>
+      <p:sp>
+        <p:nvSpPr>
+          <p:cNvPr id="3" name="Notizenplatzhalter 2"/>
+          <p:cNvSpPr>
+            <a:spLocks noGrp="1"/>
+          </p:cNvSpPr>
+          <p:nvPr>
+            <p:ph type="body" idx="1"/>
+          </p:nvPr>
+        </p:nvSpPr>
+        <p:spPr/>
+        <p:txBody>
+          <a:bodyPr/>
+          <a:lstStyle/>
+          <a:p>
+            <a:pPr marL="0" marR="0" lvl="0" indent="0" algn="l" defTabSz="457200" rtl="0" eaLnBrk="1" fontAlgn="auto" latinLnBrk="0" hangingPunct="1">
+              <a:lnSpc>
+                <a:spcPct val="100000"/>
+              </a:lnSpc>
+              <a:spcBef>
+                <a:spcPts val="0"/>
+              </a:spcBef>
+              <a:spcAft>
+                <a:spcPts val="0"/>
+              </a:spcAft>
+              <a:buClrTx/>
+              <a:buSzTx/>
+              <a:buFontTx/>
+              <a:buNone/>
+              <a:tabLst/>
+              <a:defRPr/>
+            </a:pPr>
+            <a:r>
+              <a:rPr lang="de-DE" dirty="0"/>
+              <a:t>Hinweis: auf </a:t>
+            </a:r>
+            <a:r>
+              <a:rPr lang="de-DE" dirty="0" err="1"/>
+              <a:t>Stacktrace</a:t>
+            </a:r>
+            <a:r>
+              <a:rPr lang="de-DE" dirty="0"/>
+              <a:t> achten =&gt; Fehlertipps darin</a:t>
+            </a:r>
+          </a:p>
+          <a:p>
+            <a:pPr marL="0" marR="0" lvl="0" indent="0" algn="l" defTabSz="457200" rtl="0" eaLnBrk="1" fontAlgn="auto" latinLnBrk="0" hangingPunct="1">
+              <a:lnSpc>
+                <a:spcPct val="100000"/>
+              </a:lnSpc>
+              <a:spcBef>
+                <a:spcPts val="0"/>
+              </a:spcBef>
+              <a:spcAft>
+                <a:spcPts val="0"/>
+              </a:spcAft>
+              <a:buClrTx/>
+              <a:buSzTx/>
+              <a:buFontTx/>
+              <a:buNone/>
+              <a:tabLst/>
+              <a:defRPr/>
+            </a:pPr>
+            <a:r>
+              <a:rPr lang="de-DE" dirty="0"/>
+              <a:t>(danach HAL Browser zeigen, neue </a:t>
+            </a:r>
+            <a:r>
+              <a:rPr lang="de-DE" dirty="0" err="1"/>
+              <a:t>Queries</a:t>
+            </a:r>
+            <a:r>
+              <a:rPr lang="de-DE" dirty="0"/>
+              <a:t> da)</a:t>
+            </a:r>
+            <a:endParaRPr lang="en-GB" dirty="0"/>
+          </a:p>
+        </p:txBody>
+      </p:sp>
+      <p:sp>
+        <p:nvSpPr>
+          <p:cNvPr id="4" name="Foliennummernplatzhalter 3"/>
+          <p:cNvSpPr>
+            <a:spLocks noGrp="1"/>
+          </p:cNvSpPr>
+          <p:nvPr>
+            <p:ph type="sldNum" sz="quarter" idx="10"/>
+          </p:nvPr>
+        </p:nvSpPr>
+        <p:spPr/>
+        <p:txBody>
+          <a:bodyPr/>
+          <a:lstStyle/>
+          <a:p>
+            <a:fld id="{5F0FCDCF-7A11-A043-9155-2050B044F50A}" type="slidenum">
+              <a:rPr lang="de-DE" smtClean="0"/>
+              <a:t>8</a:t>
+            </a:fld>
+            <a:endParaRPr lang="de-DE" dirty="0"/>
+          </a:p>
+        </p:txBody>
+      </p:sp>
+    </p:spTree>
+    <p:extLst>
+      <p:ext uri="{BB962C8B-B14F-4D97-AF65-F5344CB8AC3E}">
+        <p14:creationId xmlns:p14="http://schemas.microsoft.com/office/powerpoint/2010/main" val="2591993828"/>
+      </p:ext>
+    </p:extLst>
+  </p:cSld>
+  <p:clrMapOvr>
+    <a:masterClrMapping/>
+  </p:clrMapOvr>
+</p:notes>
+</file>
+
+<file path=ppt/notesSlides/notesSlide3.xml><?xml version="1.0" encoding="utf-8"?>
+<p:notes xmlns:a="http://schemas.openxmlformats.org/drawingml/2006/main" xmlns:r="http://schemas.openxmlformats.org/officeDocument/2006/relationships" xmlns:p="http://schemas.openxmlformats.org/presentationml/2006/main">
+  <p:cSld>
+    <p:spTree>
+      <p:nvGrpSpPr>
+        <p:cNvPr id="1" name=""/>
+        <p:cNvGrpSpPr/>
+        <p:nvPr/>
+      </p:nvGrpSpPr>
+      <p:grpSpPr>
+        <a:xfrm>
+          <a:off x="0" y="0"/>
+          <a:ext cx="0" cy="0"/>
+          <a:chOff x="0" y="0"/>
+          <a:chExt cx="0" cy="0"/>
+        </a:xfrm>
+      </p:grpSpPr>
+      <p:sp>
+        <p:nvSpPr>
+          <p:cNvPr id="2" name="Folienbildplatzhalter 1"/>
+          <p:cNvSpPr>
+            <a:spLocks noGrp="1" noRot="1" noChangeAspect="1"/>
+          </p:cNvSpPr>
+          <p:nvPr>
+            <p:ph type="sldImg"/>
+          </p:nvPr>
+        </p:nvSpPr>
+        <p:spPr/>
+      </p:sp>
+      <p:sp>
+        <p:nvSpPr>
+          <p:cNvPr id="3" name="Notizenplatzhalter 2"/>
+          <p:cNvSpPr>
+            <a:spLocks noGrp="1"/>
+          </p:cNvSpPr>
+          <p:nvPr>
+            <p:ph type="body" idx="1"/>
+          </p:nvPr>
+        </p:nvSpPr>
+        <p:spPr/>
+        <p:txBody>
+          <a:bodyPr/>
+          <a:lstStyle/>
+          <a:p>
+            <a:r>
+              <a:rPr lang="de-DE" dirty="0"/>
+              <a:t>Theorie – Navigation und Struktur</a:t>
+            </a:r>
+          </a:p>
+          <a:p>
+            <a:r>
+              <a:rPr lang="de-DE" dirty="0"/>
+              <a:t>REST via HAL Browser</a:t>
+            </a:r>
+          </a:p>
+          <a:p>
+            <a:r>
+              <a:rPr lang="de-DE" dirty="0"/>
+              <a:t>REST via Postman, </a:t>
+            </a:r>
+            <a:r>
+              <a:rPr lang="de-DE" dirty="0" err="1"/>
+              <a:t>associate</a:t>
+            </a:r>
+            <a:r>
+              <a:rPr lang="de-DE" dirty="0"/>
+              <a:t> Event </a:t>
+            </a:r>
+            <a:r>
+              <a:rPr lang="de-DE" dirty="0" err="1"/>
+              <a:t>with</a:t>
+            </a:r>
+            <a:r>
+              <a:rPr lang="de-DE" dirty="0"/>
+              <a:t> Speaker (nicht JSON </a:t>
+            </a:r>
+            <a:r>
+              <a:rPr lang="de-DE" dirty="0" err="1"/>
+              <a:t>sonder</a:t>
+            </a:r>
+            <a:r>
+              <a:rPr lang="de-DE" dirty="0"/>
+              <a:t> Link-List, PUT/PATCH auf /</a:t>
+            </a:r>
+            <a:r>
+              <a:rPr lang="de-DE" dirty="0" err="1"/>
+              <a:t>event</a:t>
+            </a:r>
+            <a:r>
+              <a:rPr lang="de-DE" dirty="0"/>
+              <a:t>/</a:t>
+            </a:r>
+            <a:r>
+              <a:rPr lang="de-DE" dirty="0" err="1"/>
+              <a:t>id</a:t>
+            </a:r>
+            <a:r>
+              <a:rPr lang="de-DE" dirty="0"/>
+              <a:t>/</a:t>
+            </a:r>
+            <a:r>
+              <a:rPr lang="de-DE" dirty="0" err="1"/>
+              <a:t>speakers</a:t>
+            </a:r>
+            <a:endParaRPr lang="en-GB" dirty="0"/>
+          </a:p>
+          <a:p>
+            <a:endParaRPr lang="en-GB" dirty="0"/>
+          </a:p>
+        </p:txBody>
+      </p:sp>
+      <p:sp>
+        <p:nvSpPr>
+          <p:cNvPr id="4" name="Foliennummernplatzhalter 3"/>
+          <p:cNvSpPr>
+            <a:spLocks noGrp="1"/>
+          </p:cNvSpPr>
+          <p:nvPr>
+            <p:ph type="sldNum" sz="quarter" idx="10"/>
+          </p:nvPr>
+        </p:nvSpPr>
+        <p:spPr/>
+        <p:txBody>
+          <a:bodyPr/>
+          <a:lstStyle/>
+          <a:p>
+            <a:fld id="{5F0FCDCF-7A11-A043-9155-2050B044F50A}" type="slidenum">
+              <a:rPr lang="de-DE" smtClean="0"/>
+              <a:t>11</a:t>
+            </a:fld>
+            <a:endParaRPr lang="de-DE" dirty="0"/>
+          </a:p>
+        </p:txBody>
+      </p:sp>
+    </p:spTree>
+    <p:extLst>
+      <p:ext uri="{BB962C8B-B14F-4D97-AF65-F5344CB8AC3E}">
+        <p14:creationId xmlns:p14="http://schemas.microsoft.com/office/powerpoint/2010/main" val="3771566176"/>
+      </p:ext>
+    </p:extLst>
+  </p:cSld>
+  <p:clrMapOvr>
+    <a:masterClrMapping/>
+  </p:clrMapOvr>
+</p:notes>
+</file>
+
+<file path=ppt/notesSlides/notesSlide4.xml><?xml version="1.0" encoding="utf-8"?>
+<p:notes xmlns:a="http://schemas.openxmlformats.org/drawingml/2006/main" xmlns:r="http://schemas.openxmlformats.org/officeDocument/2006/relationships" xmlns:p="http://schemas.openxmlformats.org/presentationml/2006/main">
+  <p:cSld>
+    <p:spTree>
+      <p:nvGrpSpPr>
+        <p:cNvPr id="1" name=""/>
+        <p:cNvGrpSpPr/>
+        <p:nvPr/>
+      </p:nvGrpSpPr>
+      <p:grpSpPr>
+        <a:xfrm>
+          <a:off x="0" y="0"/>
+          <a:ext cx="0" cy="0"/>
+          <a:chOff x="0" y="0"/>
+          <a:chExt cx="0" cy="0"/>
+        </a:xfrm>
+      </p:grpSpPr>
+      <p:sp>
+        <p:nvSpPr>
+          <p:cNvPr id="2" name="Folienbildplatzhalter 1"/>
+          <p:cNvSpPr>
+            <a:spLocks noGrp="1" noRot="1" noChangeAspect="1"/>
+          </p:cNvSpPr>
+          <p:nvPr>
+            <p:ph type="sldImg"/>
+          </p:nvPr>
+        </p:nvSpPr>
+        <p:spPr/>
+      </p:sp>
+      <p:sp>
+        <p:nvSpPr>
+          <p:cNvPr id="3" name="Notizenplatzhalter 2"/>
+          <p:cNvSpPr>
+            <a:spLocks noGrp="1"/>
+          </p:cNvSpPr>
+          <p:nvPr>
+            <p:ph type="body" idx="1"/>
+          </p:nvPr>
+        </p:nvSpPr>
+        <p:spPr/>
+        <p:txBody>
+          <a:bodyPr/>
+          <a:lstStyle/>
+          <a:p>
+            <a:r>
+              <a:rPr lang="de-DE" dirty="0"/>
+              <a:t>Umbauen: Links nutzen; vorher im Server Links brechen, siehe </a:t>
+            </a:r>
+            <a:r>
+              <a:rPr lang="de-DE" dirty="0" err="1"/>
+              <a:t>branch</a:t>
+            </a:r>
+            <a:r>
+              <a:rPr lang="de-DE" dirty="0"/>
+              <a:t> (</a:t>
+            </a:r>
+            <a:r>
+              <a:rPr lang="de-DE" dirty="0" err="1"/>
+              <a:t>path</a:t>
+            </a:r>
+            <a:r>
+              <a:rPr lang="de-DE" dirty="0"/>
+              <a:t> ändern)</a:t>
+            </a:r>
+            <a:endParaRPr lang="en-GB" dirty="0"/>
+          </a:p>
+        </p:txBody>
+      </p:sp>
+      <p:sp>
+        <p:nvSpPr>
+          <p:cNvPr id="4" name="Foliennummernplatzhalter 3"/>
+          <p:cNvSpPr>
+            <a:spLocks noGrp="1"/>
+          </p:cNvSpPr>
+          <p:nvPr>
+            <p:ph type="sldNum" sz="quarter" idx="10"/>
+          </p:nvPr>
+        </p:nvSpPr>
+        <p:spPr/>
+        <p:txBody>
+          <a:bodyPr/>
+          <a:lstStyle/>
+          <a:p>
+            <a:fld id="{5F0FCDCF-7A11-A043-9155-2050B044F50A}" type="slidenum">
+              <a:rPr lang="de-DE" smtClean="0"/>
+              <a:t>12</a:t>
+            </a:fld>
+            <a:endParaRPr lang="de-DE" dirty="0"/>
+          </a:p>
+        </p:txBody>
+      </p:sp>
+    </p:spTree>
+    <p:extLst>
+      <p:ext uri="{BB962C8B-B14F-4D97-AF65-F5344CB8AC3E}">
+        <p14:creationId xmlns:p14="http://schemas.microsoft.com/office/powerpoint/2010/main" val="78840189"/>
+      </p:ext>
+    </p:extLst>
+  </p:cSld>
+  <p:clrMapOvr>
+    <a:masterClrMapping/>
+  </p:clrMapOvr>
+</p:notes>
+</file>
+
+<file path=ppt/notesSlides/notesSlide5.xml><?xml version="1.0" encoding="utf-8"?>
+<p:notes xmlns:a="http://schemas.openxmlformats.org/drawingml/2006/main" xmlns:r="http://schemas.openxmlformats.org/officeDocument/2006/relationships" xmlns:p="http://schemas.openxmlformats.org/presentationml/2006/main">
+  <p:cSld>
+    <p:spTree>
+      <p:nvGrpSpPr>
+        <p:cNvPr id="1" name=""/>
+        <p:cNvGrpSpPr/>
+        <p:nvPr/>
+      </p:nvGrpSpPr>
+      <p:grpSpPr>
+        <a:xfrm>
+          <a:off x="0" y="0"/>
+          <a:ext cx="0" cy="0"/>
+          <a:chOff x="0" y="0"/>
+          <a:chExt cx="0" cy="0"/>
+        </a:xfrm>
+      </p:grpSpPr>
+      <p:sp>
+        <p:nvSpPr>
+          <p:cNvPr id="2" name="Folienbildplatzhalter 1"/>
+          <p:cNvSpPr>
+            <a:spLocks noGrp="1" noRot="1" noChangeAspect="1"/>
+          </p:cNvSpPr>
+          <p:nvPr>
+            <p:ph type="sldImg"/>
+          </p:nvPr>
+        </p:nvSpPr>
+        <p:spPr/>
+      </p:sp>
+      <p:sp>
+        <p:nvSpPr>
+          <p:cNvPr id="3" name="Notizenplatzhalter 2"/>
+          <p:cNvSpPr>
+            <a:spLocks noGrp="1"/>
+          </p:cNvSpPr>
+          <p:nvPr>
+            <p:ph type="body" idx="1"/>
+          </p:nvPr>
+        </p:nvSpPr>
+        <p:spPr/>
+        <p:txBody>
+          <a:bodyPr/>
+          <a:lstStyle/>
+          <a:p>
+            <a:r>
+              <a:rPr lang="de-DE" dirty="0"/>
+              <a:t>Umbauen: Links nutzen; vorher im Server Links brechen, siehe </a:t>
+            </a:r>
+            <a:r>
+              <a:rPr lang="de-DE" dirty="0" err="1"/>
+              <a:t>branch</a:t>
+            </a:r>
+            <a:r>
+              <a:rPr lang="de-DE" dirty="0"/>
+              <a:t> (</a:t>
+            </a:r>
+            <a:r>
+              <a:rPr lang="de-DE" dirty="0" err="1"/>
+              <a:t>path</a:t>
+            </a:r>
+            <a:r>
+              <a:rPr lang="de-DE" dirty="0"/>
+              <a:t> ändern)</a:t>
+            </a:r>
+            <a:endParaRPr lang="en-GB" dirty="0"/>
+          </a:p>
+        </p:txBody>
+      </p:sp>
+      <p:sp>
+        <p:nvSpPr>
+          <p:cNvPr id="4" name="Foliennummernplatzhalter 3"/>
+          <p:cNvSpPr>
+            <a:spLocks noGrp="1"/>
+          </p:cNvSpPr>
+          <p:nvPr>
+            <p:ph type="sldNum" sz="quarter" idx="10"/>
+          </p:nvPr>
+        </p:nvSpPr>
+        <p:spPr/>
+        <p:txBody>
+          <a:bodyPr/>
+          <a:lstStyle/>
+          <a:p>
+            <a:fld id="{5F0FCDCF-7A11-A043-9155-2050B044F50A}" type="slidenum">
+              <a:rPr lang="de-DE" smtClean="0"/>
+              <a:t>13</a:t>
+            </a:fld>
+            <a:endParaRPr lang="de-DE" dirty="0"/>
+          </a:p>
+        </p:txBody>
+      </p:sp>
+    </p:spTree>
+    <p:extLst>
+      <p:ext uri="{BB962C8B-B14F-4D97-AF65-F5344CB8AC3E}">
+        <p14:creationId xmlns:p14="http://schemas.microsoft.com/office/powerpoint/2010/main" val="4067467805"/>
+      </p:ext>
+    </p:extLst>
+  </p:cSld>
+  <p:clrMapOvr>
+    <a:masterClrMapping/>
+  </p:clrMapOvr>
+</p:notes>
 </file>
 
 <file path=ppt/slideLayouts/slideLayout1.xml><?xml version="1.0" encoding="utf-8"?>
@@ -5517,10 +6119,16 @@
         </p:nvSpPr>
         <p:spPr/>
         <p:txBody>
-          <a:bodyPr/>
-          <a:lstStyle/>
-          <a:p>
-            <a:endParaRPr lang="en-GB"/>
+          <a:bodyPr>
+            <a:normAutofit fontScale="85000" lnSpcReduction="10000"/>
+          </a:bodyPr>
+          <a:lstStyle/>
+          <a:p>
+            <a:r>
+              <a:rPr lang="de-DE" dirty="0"/>
+              <a:t>30 min</a:t>
+            </a:r>
+            <a:endParaRPr lang="en-GB" dirty="0"/>
           </a:p>
         </p:txBody>
       </p:sp>
@@ -5609,10 +6217,6 @@
           <a:bodyPr/>
           <a:lstStyle/>
           <a:p>
-            <a:r>
-              <a:rPr lang="de-DE" dirty="0"/>
-              <a:t>Anschauen mit komplettem Beispiel</a:t>
-            </a:r>
             <a:endParaRPr lang="en-GB" dirty="0"/>
           </a:p>
         </p:txBody>
@@ -5736,15 +6340,7 @@
           <a:p>
             <a:r>
               <a:rPr lang="de-DE" dirty="0"/>
-              <a:t>Theorie: </a:t>
-            </a:r>
-            <a:r>
-              <a:rPr lang="de-DE" dirty="0" err="1"/>
-              <a:t>hypermedia</a:t>
-            </a:r>
-            <a:r>
-              <a:rPr lang="de-DE" dirty="0"/>
-              <a:t> links</a:t>
+              <a:t>Theorie: Hypermedia</a:t>
             </a:r>
             <a:endParaRPr lang="en-GB" dirty="0"/>
           </a:p>
@@ -5762,45 +6358,69 @@
         </p:nvSpPr>
         <p:spPr/>
         <p:txBody>
-          <a:bodyPr/>
-          <a:lstStyle/>
-          <a:p>
-            <a:r>
-              <a:rPr lang="de-DE" dirty="0"/>
-              <a:t>Theorie – Navigation und Struktur</a:t>
-            </a:r>
-          </a:p>
-          <a:p>
-            <a:r>
-              <a:rPr lang="de-DE" dirty="0"/>
-              <a:t>REST via HAL Browser</a:t>
-            </a:r>
-          </a:p>
-          <a:p>
-            <a:r>
-              <a:rPr lang="de-DE" dirty="0"/>
-              <a:t>REST via Postman, </a:t>
-            </a:r>
-            <a:r>
-              <a:rPr lang="de-DE" dirty="0" err="1"/>
-              <a:t>associate</a:t>
-            </a:r>
-            <a:r>
-              <a:rPr lang="de-DE" dirty="0"/>
-              <a:t> Event </a:t>
-            </a:r>
-            <a:r>
-              <a:rPr lang="de-DE" dirty="0" err="1"/>
-              <a:t>with</a:t>
-            </a:r>
-            <a:r>
-              <a:rPr lang="de-DE" dirty="0"/>
-              <a:t> Speaker</a:t>
-            </a:r>
-            <a:endParaRPr lang="en-GB" dirty="0"/>
-          </a:p>
-        </p:txBody>
-      </p:sp>
+          <a:bodyPr>
+            <a:normAutofit lnSpcReduction="10000"/>
+          </a:bodyPr>
+          <a:lstStyle/>
+          <a:p>
+            <a:endParaRPr lang="de-DE" dirty="0"/>
+          </a:p>
+          <a:p>
+            <a:endParaRPr lang="de-DE" dirty="0"/>
+          </a:p>
+          <a:p>
+            <a:endParaRPr lang="de-DE" dirty="0"/>
+          </a:p>
+          <a:p>
+            <a:endParaRPr lang="de-DE" dirty="0"/>
+          </a:p>
+          <a:p>
+            <a:endParaRPr lang="de-DE" dirty="0"/>
+          </a:p>
+          <a:p>
+            <a:endParaRPr lang="de-DE" dirty="0"/>
+          </a:p>
+          <a:p>
+            <a:endParaRPr lang="de-DE" dirty="0"/>
+          </a:p>
+          <a:p>
+            <a:endParaRPr lang="de-DE" dirty="0"/>
+          </a:p>
+          <a:p>
+            <a:pPr marL="0" indent="0" algn="r">
+              <a:buNone/>
+            </a:pPr>
+            <a:r>
+              <a:rPr lang="en-GB" dirty="0"/>
+              <a:t>https://martinfowler.com/articles/richardsonMaturityModel.html</a:t>
+            </a:r>
+          </a:p>
+        </p:txBody>
+      </p:sp>
+      <p:pic>
+        <p:nvPicPr>
+          <p:cNvPr id="8" name="Grafik 7"/>
+          <p:cNvPicPr>
+            <a:picLocks noChangeAspect="1"/>
+          </p:cNvPicPr>
+          <p:nvPr/>
+        </p:nvPicPr>
+        <p:blipFill>
+          <a:blip r:embed="rId3"/>
+          <a:stretch>
+            <a:fillRect/>
+          </a:stretch>
+        </p:blipFill>
+        <p:spPr>
+          <a:xfrm>
+            <a:off x="457201" y="1212680"/>
+            <a:ext cx="5124110" cy="3030306"/>
+          </a:xfrm>
+          <a:prstGeom prst="rect">
+            <a:avLst/>
+          </a:prstGeom>
+        </p:spPr>
+      </p:pic>
     </p:spTree>
     <p:extLst>
       <p:ext uri="{BB962C8B-B14F-4D97-AF65-F5344CB8AC3E}">
@@ -5920,7 +6540,7 @@
           <a:p>
             <a:r>
               <a:rPr lang="de-DE" dirty="0"/>
-              <a:t>DAO umbauen (mit Links)</a:t>
+              <a:t>Hypermedia: Praxisteil</a:t>
             </a:r>
             <a:endParaRPr lang="en-GB" dirty="0"/>
           </a:p>
@@ -5994,7 +6614,7 @@
           <a:p>
             <a:r>
               <a:rPr lang="de-DE" dirty="0"/>
-              <a:t>15 min</a:t>
+              <a:t>30 min</a:t>
             </a:r>
             <a:endParaRPr lang="en-GB" dirty="0"/>
           </a:p>
@@ -6064,6 +6684,191 @@
           <a:p>
             <a:r>
               <a:rPr lang="de-DE" dirty="0"/>
+              <a:t>Mehr </a:t>
+            </a:r>
+            <a:r>
+              <a:rPr lang="de-DE" dirty="0" err="1"/>
+              <a:t>Repositories</a:t>
+            </a:r>
+            <a:r>
+              <a:rPr lang="de-DE" dirty="0"/>
+              <a:t>!</a:t>
+            </a:r>
+            <a:endParaRPr lang="en-GB" dirty="0"/>
+          </a:p>
+        </p:txBody>
+      </p:sp>
+      <p:sp>
+        <p:nvSpPr>
+          <p:cNvPr id="6" name="Textplatzhalter 5"/>
+          <p:cNvSpPr>
+            <a:spLocks noGrp="1"/>
+          </p:cNvSpPr>
+          <p:nvPr>
+            <p:ph type="body" sz="quarter" idx="12"/>
+          </p:nvPr>
+        </p:nvSpPr>
+        <p:spPr/>
+        <p:txBody>
+          <a:bodyPr/>
+          <a:lstStyle/>
+          <a:p>
+            <a:r>
+              <a:rPr lang="de-DE" dirty="0"/>
+              <a:t>z.B. </a:t>
+            </a:r>
+            <a:r>
+              <a:rPr lang="de-DE" dirty="0" err="1"/>
+              <a:t>PagingAndSortingRepository</a:t>
+            </a:r>
+            <a:r>
+              <a:rPr lang="de-DE" dirty="0"/>
+              <a:t> verwenden</a:t>
+            </a:r>
+          </a:p>
+          <a:p>
+            <a:endParaRPr lang="de-DE" dirty="0"/>
+          </a:p>
+          <a:p>
+            <a:pPr marL="0" indent="0">
+              <a:buNone/>
+            </a:pPr>
+            <a:r>
+              <a:rPr lang="de-DE" dirty="0"/>
+              <a:t>(Optionale Übung) </a:t>
+            </a:r>
+          </a:p>
+          <a:p>
+            <a:pPr marL="0" indent="0">
+              <a:buNone/>
+            </a:pPr>
+            <a:r>
+              <a:rPr lang="de-DE" dirty="0"/>
+              <a:t>=&gt; Paginierung auf der Hauptseite einbauen</a:t>
+            </a:r>
+            <a:endParaRPr lang="en-GB" dirty="0"/>
+          </a:p>
+        </p:txBody>
+      </p:sp>
+    </p:spTree>
+    <p:extLst>
+      <p:ext uri="{BB962C8B-B14F-4D97-AF65-F5344CB8AC3E}">
+        <p14:creationId xmlns:p14="http://schemas.microsoft.com/office/powerpoint/2010/main" val="2556789835"/>
+      </p:ext>
+    </p:extLst>
+  </p:cSld>
+  <p:clrMapOvr>
+    <a:masterClrMapping/>
+  </p:clrMapOvr>
+</p:sld>
+</file>
+
+<file path=ppt/slides/slide14.xml><?xml version="1.0" encoding="utf-8"?>
+<p:sld xmlns:a="http://schemas.openxmlformats.org/drawingml/2006/main" xmlns:r="http://schemas.openxmlformats.org/officeDocument/2006/relationships" xmlns:p="http://schemas.openxmlformats.org/presentationml/2006/main">
+  <p:cSld>
+    <p:spTree>
+      <p:nvGrpSpPr>
+        <p:cNvPr id="1" name=""/>
+        <p:cNvGrpSpPr/>
+        <p:nvPr/>
+      </p:nvGrpSpPr>
+      <p:grpSpPr>
+        <a:xfrm>
+          <a:off x="0" y="0"/>
+          <a:ext cx="0" cy="0"/>
+          <a:chOff x="0" y="0"/>
+          <a:chExt cx="0" cy="0"/>
+        </a:xfrm>
+      </p:grpSpPr>
+      <p:sp>
+        <p:nvSpPr>
+          <p:cNvPr id="2" name="Textplatzhalter 1"/>
+          <p:cNvSpPr>
+            <a:spLocks noGrp="1"/>
+          </p:cNvSpPr>
+          <p:nvPr>
+            <p:ph type="body" sz="half" idx="2"/>
+          </p:nvPr>
+        </p:nvSpPr>
+        <p:spPr/>
+        <p:txBody>
+          <a:bodyPr>
+            <a:normAutofit fontScale="85000" lnSpcReduction="10000"/>
+          </a:bodyPr>
+          <a:lstStyle/>
+          <a:p>
+            <a:r>
+              <a:rPr lang="de-DE" dirty="0"/>
+              <a:t>15 min</a:t>
+            </a:r>
+            <a:endParaRPr lang="en-GB" dirty="0"/>
+          </a:p>
+        </p:txBody>
+      </p:sp>
+      <p:sp>
+        <p:nvSpPr>
+          <p:cNvPr id="3" name="Fußzeilenplatzhalter 2"/>
+          <p:cNvSpPr>
+            <a:spLocks noGrp="1"/>
+          </p:cNvSpPr>
+          <p:nvPr>
+            <p:ph type="ftr" sz="quarter" idx="10"/>
+          </p:nvPr>
+        </p:nvSpPr>
+        <p:spPr/>
+        <p:txBody>
+          <a:bodyPr/>
+          <a:lstStyle/>
+          <a:p>
+            <a:r>
+              <a:rPr lang="en-US"/>
+              <a:t>Experts in agile software engineering</a:t>
+            </a:r>
+            <a:endParaRPr lang="de-DE" dirty="0"/>
+          </a:p>
+        </p:txBody>
+      </p:sp>
+      <p:sp>
+        <p:nvSpPr>
+          <p:cNvPr id="4" name="Foliennummernplatzhalter 3"/>
+          <p:cNvSpPr>
+            <a:spLocks noGrp="1"/>
+          </p:cNvSpPr>
+          <p:nvPr>
+            <p:ph type="sldNum" sz="quarter" idx="11"/>
+          </p:nvPr>
+        </p:nvSpPr>
+        <p:spPr/>
+        <p:txBody>
+          <a:bodyPr/>
+          <a:lstStyle/>
+          <a:p>
+            <a:fld id="{6C6AE60A-B69C-4790-82F7-3882EDF23186}" type="slidenum">
+              <a:rPr lang="de-DE" smtClean="0"/>
+              <a:pPr/>
+              <a:t>14</a:t>
+            </a:fld>
+            <a:endParaRPr lang="de-DE" dirty="0"/>
+          </a:p>
+        </p:txBody>
+      </p:sp>
+      <p:sp>
+        <p:nvSpPr>
+          <p:cNvPr id="5" name="Titel 4"/>
+          <p:cNvSpPr>
+            <a:spLocks noGrp="1"/>
+          </p:cNvSpPr>
+          <p:nvPr>
+            <p:ph type="title"/>
+          </p:nvPr>
+        </p:nvSpPr>
+        <p:spPr/>
+        <p:txBody>
+          <a:bodyPr/>
+          <a:lstStyle/>
+          <a:p>
+            <a:r>
+              <a:rPr lang="de-DE" dirty="0"/>
               <a:t>Further Reading, Resources</a:t>
             </a:r>
             <a:endParaRPr lang="en-GB" dirty="0"/>
@@ -6103,17 +6908,33 @@
           </a:p>
           <a:p>
             <a:r>
-              <a:rPr lang="de-DE" dirty="0"/>
-              <a:t>Spring Data-</a:t>
-            </a:r>
-            <a:r>
               <a:rPr lang="de-DE" dirty="0" err="1"/>
-              <a:t>ReactJS</a:t>
-            </a:r>
-            <a:r>
-              <a:rPr lang="de-DE" dirty="0"/>
-              <a:t> Tutorial </a:t>
-            </a:r>
+              <a:t>RestBucks</a:t>
+            </a:r>
+            <a:r>
+              <a:rPr lang="de-DE" dirty="0"/>
+              <a:t> Store</a:t>
+            </a:r>
+            <a:br>
+              <a:rPr lang="de-DE" dirty="0"/>
+            </a:br>
+            <a:r>
+              <a:rPr lang="de-DE" dirty="0"/>
+              <a:t>=&gt; </a:t>
+            </a:r>
+            <a:r>
+              <a:rPr lang="de-DE" dirty="0">
+                <a:hlinkClick r:id="rId2"/>
+              </a:rPr>
+              <a:t>https://github.com/olivergierke/spring-restbucks</a:t>
+            </a:r>
+            <a:endParaRPr lang="de-DE" dirty="0"/>
+          </a:p>
+          <a:p>
+            <a:pPr marL="0" indent="0">
+              <a:buNone/>
+            </a:pPr>
+            <a:endParaRPr lang="de-DE" dirty="0"/>
           </a:p>
           <a:p>
             <a:endParaRPr lang="en-GB" dirty="0"/>
@@ -6248,7 +7069,7 @@
             </a:r>
             <a:r>
               <a:rPr lang="de-DE" dirty="0"/>
-              <a:t> Control „ Framework für Java </a:t>
+              <a:t> Control“ Framework für Java </a:t>
             </a:r>
           </a:p>
           <a:p>
@@ -6863,6 +7684,13 @@
               <a:t>H2 DB</a:t>
             </a:r>
           </a:p>
+          <a:p>
+            <a:r>
+              <a:rPr lang="de-DE" dirty="0" err="1"/>
+              <a:t>Hibernate</a:t>
+            </a:r>
+            <a:endParaRPr lang="de-DE" dirty="0"/>
+          </a:p>
         </p:txBody>
       </p:sp>
     </p:spTree>
@@ -7022,27 +7850,46 @@
               <a:rPr lang="de-DE" dirty="0"/>
               <a:t>Projekt von GitHub auschecken</a:t>
             </a:r>
-          </a:p>
-          <a:p>
-            <a:r>
-              <a:rPr lang="de-DE" dirty="0" err="1"/>
-              <a:t>mvn</a:t>
-            </a:r>
-            <a:r>
-              <a:rPr lang="de-DE" dirty="0"/>
-              <a:t> clean </a:t>
-            </a:r>
-            <a:r>
-              <a:rPr lang="de-DE" dirty="0" err="1"/>
-              <a:t>install</a:t>
-            </a:r>
-            <a:endParaRPr lang="de-DE" dirty="0"/>
-          </a:p>
-          <a:p>
+            <a:br>
+              <a:rPr lang="de-DE" dirty="0"/>
+            </a:br>
             <a:r>
               <a:rPr lang="de-DE" dirty="0">
                 <a:hlinkClick r:id="rId2"/>
               </a:rPr>
+              <a:t>https://github.com/bonnie-chow/springBoot-springData.git</a:t>
+            </a:r>
+            <a:br>
+              <a:rPr lang="de-DE" dirty="0"/>
+            </a:br>
+            <a:r>
+              <a:rPr lang="de-DE" dirty="0">
+                <a:hlinkClick r:id="rId3"/>
+              </a:rPr>
+              <a:t>https://github.com/bonnie-chow/springBoot-springData-client.git</a:t>
+            </a:r>
+            <a:endParaRPr lang="de-DE" dirty="0"/>
+          </a:p>
+          <a:p>
+            <a:r>
+              <a:rPr lang="de-DE" dirty="0" err="1"/>
+              <a:t>mvnw</a:t>
+            </a:r>
+            <a:r>
+              <a:rPr lang="de-DE" dirty="0"/>
+              <a:t> clean </a:t>
+            </a:r>
+            <a:r>
+              <a:rPr lang="de-DE" dirty="0" err="1"/>
+              <a:t>install</a:t>
+            </a:r>
+            <a:endParaRPr lang="de-DE" dirty="0"/>
+          </a:p>
+          <a:p>
+            <a:r>
+              <a:rPr lang="de-DE" dirty="0">
+                <a:hlinkClick r:id="rId4"/>
+              </a:rPr>
               <a:t>http://localhost:8090/</a:t>
             </a:r>
             <a:r>
@@ -7052,9 +7899,12 @@
           </a:p>
           <a:p>
             <a:r>
-              <a:rPr lang="de-DE" dirty="0"/>
+              <a:rPr lang="de-DE" dirty="0">
+                <a:hlinkClick r:id="rId5"/>
+              </a:rPr>
               <a:t>http://localhost:8090/agenda</a:t>
             </a:r>
+            <a:endParaRPr lang="de-DE" dirty="0"/>
           </a:p>
         </p:txBody>
       </p:sp>
@@ -7207,8 +8057,28 @@
         </p:nvSpPr>
         <p:spPr/>
         <p:txBody>
-          <a:bodyPr/>
-          <a:lstStyle/>
+          <a:bodyPr>
+            <a:normAutofit/>
+          </a:bodyPr>
+          <a:lstStyle/>
+          <a:p>
+            <a:r>
+              <a:rPr lang="de-DE" dirty="0" err="1"/>
+              <a:t>Repositories</a:t>
+            </a:r>
+            <a:r>
+              <a:rPr lang="de-DE" dirty="0"/>
+              <a:t> (CRUD, </a:t>
+            </a:r>
+            <a:r>
+              <a:rPr lang="de-DE" dirty="0" err="1"/>
+              <a:t>PagingAndSorting</a:t>
+            </a:r>
+            <a:r>
+              <a:rPr lang="de-DE" dirty="0"/>
+              <a:t> …)</a:t>
+            </a:r>
+          </a:p>
           <a:p>
             <a:r>
               <a:rPr lang="de-DE" dirty="0"/>
@@ -7229,24 +8099,6 @@
             <a:r>
               <a:rPr lang="de-DE" dirty="0"/>
               <a:t>, )</a:t>
-            </a:r>
-          </a:p>
-          <a:p>
-            <a:r>
-              <a:rPr lang="de-DE" dirty="0" err="1"/>
-              <a:t>Repositories</a:t>
-            </a:r>
-            <a:r>
-              <a:rPr lang="de-DE" dirty="0"/>
-              <a:t> (CRUD, </a:t>
-            </a:r>
-            <a:r>
-              <a:rPr lang="de-DE" dirty="0" err="1"/>
-              <a:t>PagingAndSorting</a:t>
-            </a:r>
-            <a:r>
-              <a:rPr lang="de-DE" dirty="0"/>
-              <a:t> …)</a:t>
             </a:r>
           </a:p>
           <a:p>
@@ -7278,17 +8130,22 @@
             <a:pPr marL="0" indent="0">
               <a:buNone/>
             </a:pPr>
-            <a:r>
-              <a:rPr lang="de-DE" dirty="0" err="1"/>
-              <a:t>Documentation</a:t>
-            </a:r>
-            <a:r>
-              <a:rPr lang="de-DE" dirty="0"/>
-              <a:t>: http://docs.spring.io/spring-data/rest/docs/current/reference/html/</a:t>
-            </a:r>
-          </a:p>
-          <a:p>
-            <a:endParaRPr lang="en-GB" dirty="0"/>
+            <a:endParaRPr lang="de-DE" dirty="0"/>
+          </a:p>
+          <a:p>
+            <a:pPr marL="0" indent="0">
+              <a:buNone/>
+            </a:pPr>
+            <a:endParaRPr lang="de-DE" dirty="0"/>
+          </a:p>
+          <a:p>
+            <a:pPr marL="0" indent="0">
+              <a:buNone/>
+            </a:pPr>
+            <a:r>
+              <a:rPr lang="de-DE" dirty="0"/>
+              <a:t>https://docs.spring.io/spring-data/jpa/docs/current/reference/html</a:t>
+            </a:r>
           </a:p>
         </p:txBody>
       </p:sp>
@@ -7413,15 +8270,7 @@
           <a:p>
             <a:r>
               <a:rPr lang="de-DE" dirty="0"/>
-              <a:t>Event Repository </a:t>
-            </a:r>
-            <a:r>
-              <a:rPr lang="de-DE" dirty="0" err="1"/>
-              <a:t>erweiten</a:t>
-            </a:r>
-            <a:r>
-              <a:rPr lang="de-DE" dirty="0"/>
-              <a:t> um Suche</a:t>
+              <a:t>Event Repository erweitern</a:t>
             </a:r>
             <a:endParaRPr lang="en-GB" dirty="0"/>
           </a:p>
@@ -7442,17 +8291,23 @@
           <a:bodyPr/>
           <a:lstStyle/>
           <a:p>
-            <a:r>
-              <a:rPr lang="de-DE" dirty="0"/>
-              <a:t>(danach HAL Browser zeigen, neue </a:t>
-            </a:r>
-            <a:r>
-              <a:rPr lang="de-DE" dirty="0" err="1"/>
-              <a:t>Queries</a:t>
-            </a:r>
-            <a:r>
-              <a:rPr lang="de-DE" dirty="0"/>
-              <a:t> da)</a:t>
+            <a:pPr>
+              <a:buFont typeface="Symbol" panose="05050102010706020507" pitchFamily="18" charset="2"/>
+              <a:buChar char="Þ"/>
+            </a:pPr>
+            <a:r>
+              <a:rPr lang="de-DE" dirty="0"/>
+              <a:t>um Suche anhand Titel</a:t>
+            </a:r>
+          </a:p>
+          <a:p>
+            <a:pPr>
+              <a:buFont typeface="Symbol" panose="05050102010706020507" pitchFamily="18" charset="2"/>
+              <a:buChar char="Þ"/>
+            </a:pPr>
+            <a:r>
+              <a:rPr lang="de-DE" dirty="0"/>
+              <a:t>Suchseite reparieren!</a:t>
             </a:r>
             <a:endParaRPr lang="en-GB" dirty="0"/>
           </a:p>
@@ -7600,13 +8455,37 @@
           <a:p>
             <a:r>
               <a:rPr lang="de-DE" dirty="0"/>
-              <a:t>Query: Anzahl alle Speakers von Firma X berechnen</a:t>
-            </a:r>
-          </a:p>
-          <a:p>
-            <a:r>
-              <a:rPr lang="de-DE" dirty="0"/>
-              <a:t>Native Query: Liste von alle eindeutige Firmen</a:t>
+              <a:t>Repository für Speakers</a:t>
+            </a:r>
+          </a:p>
+          <a:p>
+            <a:endParaRPr lang="de-DE" dirty="0"/>
+          </a:p>
+          <a:p>
+            <a:r>
+              <a:rPr lang="de-DE" dirty="0"/>
+              <a:t>Query: Anzahl aller Speakers von Firma X berechnen</a:t>
+            </a:r>
+          </a:p>
+          <a:p>
+            <a:endParaRPr lang="de-DE" dirty="0"/>
+          </a:p>
+          <a:p>
+            <a:r>
+              <a:rPr lang="de-DE" dirty="0"/>
+              <a:t>Native Query: nochmal aber mit @Query !</a:t>
+            </a:r>
+          </a:p>
+          <a:p>
+            <a:endParaRPr lang="de-DE" dirty="0"/>
+          </a:p>
+          <a:p>
+            <a:pPr marL="0" indent="0">
+              <a:buNone/>
+            </a:pPr>
+            <a:r>
+              <a:rPr lang="de-DE" dirty="0"/>
+              <a:t>=&gt; nachprüfen mit HAL Browser oder Postman</a:t>
             </a:r>
           </a:p>
         </p:txBody>
@@ -8914,6 +9793,15 @@
 </file>
 
 <file path=customXml/item2.xml><?xml version="1.0" encoding="utf-8"?>
+<?mso-contentType ?>
+<FormTemplates xmlns="http://schemas.microsoft.com/sharepoint/v3/contenttype/forms">
+  <Display>DocumentLibraryForm</Display>
+  <Edit>DocumentLibraryForm</Edit>
+  <New>DocumentLibraryForm</New>
+</FormTemplates>
+</file>
+
+<file path=customXml/item3.xml><?xml version="1.0" encoding="utf-8"?>
 <ct:contentTypeSchema xmlns:ct="http://schemas.microsoft.com/office/2006/metadata/contentType" xmlns:ma="http://schemas.microsoft.com/office/2006/metadata/properties/metaAttributes" ct:_="" ma:_="" ma:contentTypeName="Document" ma:contentTypeID="0x0101000DE64AEEDD9B7A4D93545ACBE97D4615" ma:contentTypeVersion="2" ma:contentTypeDescription="Create a new document." ma:contentTypeScope="" ma:versionID="f49002b78e3a4a71b814eef46a983816">
   <xsd:schema xmlns:xsd="http://www.w3.org/2001/XMLSchema" xmlns:xs="http://www.w3.org/2001/XMLSchema" xmlns:p="http://schemas.microsoft.com/office/2006/metadata/properties" xmlns:ns2="http://schemas.microsoft.com/sharepoint/v3/fields" targetNamespace="http://schemas.microsoft.com/office/2006/metadata/properties" ma:root="true" ma:fieldsID="38f6db2dd0d9a0cf6a8dc37be32b365b" ns2:_="">
     <xsd:import namespace="http://schemas.microsoft.com/sharepoint/v3/fields"/>
@@ -9057,15 +9945,6 @@
 </ct:contentTypeSchema>
 </file>
 
-<file path=customXml/item3.xml><?xml version="1.0" encoding="utf-8"?>
-<?mso-contentType ?>
-<FormTemplates xmlns="http://schemas.microsoft.com/sharepoint/v3/contenttype/forms">
-  <Display>DocumentLibraryForm</Display>
-  <Edit>DocumentLibraryForm</Edit>
-  <New>DocumentLibraryForm</New>
-</FormTemplates>
-</file>
-
 <file path=customXml/itemProps1.xml><?xml version="1.0" encoding="utf-8"?>
 <ds:datastoreItem xmlns:ds="http://schemas.openxmlformats.org/officeDocument/2006/customXml" ds:itemID="{7B6F2769-7194-4217-93D3-3AF3A4742282}">
   <ds:schemaRefs>
@@ -9083,6 +9962,14 @@
 </file>
 
 <file path=customXml/itemProps2.xml><?xml version="1.0" encoding="utf-8"?>
+<ds:datastoreItem xmlns:ds="http://schemas.openxmlformats.org/officeDocument/2006/customXml" ds:itemID="{87D2A1B0-FF3E-4009-940D-AED0EB70AA20}">
+  <ds:schemaRefs>
+    <ds:schemaRef ds:uri="http://schemas.microsoft.com/sharepoint/v3/contenttype/forms"/>
+  </ds:schemaRefs>
+</ds:datastoreItem>
+</file>
+
+<file path=customXml/itemProps3.xml><?xml version="1.0" encoding="utf-8"?>
 <ds:datastoreItem xmlns:ds="http://schemas.openxmlformats.org/officeDocument/2006/customXml" ds:itemID="{E4214858-785C-42F7-BE66-6D0E79395FC8}">
   <ds:schemaRefs>
     <ds:schemaRef ds:uri="http://schemas.microsoft.com/office/2006/metadata/contentType"/>
@@ -9098,12 +9985,4 @@
     <ds:schemaRef ds:uri="http://schemas.microsoft.com/internal/obd"/>
   </ds:schemaRefs>
 </ds:datastoreItem>
-</file>
-
-<file path=customXml/itemProps3.xml><?xml version="1.0" encoding="utf-8"?>
-<ds:datastoreItem xmlns:ds="http://schemas.openxmlformats.org/officeDocument/2006/customXml" ds:itemID="{87D2A1B0-FF3E-4009-940D-AED0EB70AA20}">
-  <ds:schemaRefs>
-    <ds:schemaRef ds:uri="http://schemas.microsoft.com/sharepoint/v3/contenttype/forms"/>
-  </ds:schemaRefs>
-</ds:datastoreItem>
 </file>
--- a/slides.pptx
+++ b/slides.pptx
@@ -6,10 +6,10 @@
     <p:sldMasterId id="2147493481" r:id="rId5"/>
   </p:sldMasterIdLst>
   <p:notesMasterIdLst>
-    <p:notesMasterId r:id="rId20"/>
+    <p:notesMasterId r:id="rId23"/>
   </p:notesMasterIdLst>
   <p:handoutMasterIdLst>
-    <p:handoutMasterId r:id="rId21"/>
+    <p:handoutMasterId r:id="rId24"/>
   </p:handoutMasterIdLst>
   <p:sldIdLst>
     <p:sldId id="264" r:id="rId6"/>
@@ -21,11 +21,14 @@
     <p:sldId id="270" r:id="rId12"/>
     <p:sldId id="269" r:id="rId13"/>
     <p:sldId id="272" r:id="rId14"/>
-    <p:sldId id="278" r:id="rId15"/>
-    <p:sldId id="271" r:id="rId16"/>
-    <p:sldId id="275" r:id="rId17"/>
-    <p:sldId id="283" r:id="rId18"/>
-    <p:sldId id="280" r:id="rId19"/>
+    <p:sldId id="284" r:id="rId15"/>
+    <p:sldId id="285" r:id="rId16"/>
+    <p:sldId id="286" r:id="rId17"/>
+    <p:sldId id="271" r:id="rId18"/>
+    <p:sldId id="275" r:id="rId19"/>
+    <p:sldId id="283" r:id="rId20"/>
+    <p:sldId id="287" r:id="rId21"/>
+    <p:sldId id="280" r:id="rId22"/>
   </p:sldIdLst>
   <p:sldSz cx="9144000" cy="5143500" type="screen16x9"/>
   <p:notesSz cx="6881813" cy="9661525"/>
@@ -229,7 +232,7 @@
           <a:p>
             <a:fld id="{1869EC12-32BB-B84B-964B-77CD8A6EA5B5}" type="datetimeFigureOut">
               <a:rPr lang="de-DE" smtClean="0"/>
-              <a:t>23.05.2017</a:t>
+              <a:t>27.11.2017</a:t>
             </a:fld>
             <a:endParaRPr lang="de-DE" dirty="0"/>
           </a:p>
@@ -395,7 +398,7 @@
           <a:p>
             <a:fld id="{396D8CEF-220A-EC43-8099-BAE7D65DBE3D}" type="datetimeFigureOut">
               <a:rPr lang="de-DE" smtClean="0"/>
-              <a:t>23.05.2017</a:t>
+              <a:t>27.11.2017</a:t>
             </a:fld>
             <a:endParaRPr lang="de-DE" dirty="0"/>
           </a:p>
@@ -805,67 +808,7 @@
           <a:bodyPr/>
           <a:lstStyle/>
           <a:p>
-            <a:pPr marL="0" marR="0" lvl="0" indent="0" algn="l" defTabSz="457200" rtl="0" eaLnBrk="1" fontAlgn="auto" latinLnBrk="0" hangingPunct="1">
-              <a:lnSpc>
-                <a:spcPct val="100000"/>
-              </a:lnSpc>
-              <a:spcBef>
-                <a:spcPts val="0"/>
-              </a:spcBef>
-              <a:spcAft>
-                <a:spcPts val="0"/>
-              </a:spcAft>
-              <a:buClrTx/>
-              <a:buSzTx/>
-              <a:buFontTx/>
-              <a:buNone/>
-              <a:tabLst/>
-              <a:defRPr/>
-            </a:pPr>
-            <a:r>
-              <a:rPr lang="de-DE" dirty="0"/>
-              <a:t>Hinweis: auf </a:t>
-            </a:r>
-            <a:r>
-              <a:rPr lang="de-DE" dirty="0" err="1"/>
-              <a:t>Stacktrace</a:t>
-            </a:r>
-            <a:r>
-              <a:rPr lang="de-DE" dirty="0"/>
-              <a:t> achten =&gt; Fehlertipps darin</a:t>
-            </a:r>
-          </a:p>
-          <a:p>
-            <a:pPr marL="0" marR="0" lvl="0" indent="0" algn="l" defTabSz="457200" rtl="0" eaLnBrk="1" fontAlgn="auto" latinLnBrk="0" hangingPunct="1">
-              <a:lnSpc>
-                <a:spcPct val="100000"/>
-              </a:lnSpc>
-              <a:spcBef>
-                <a:spcPts val="0"/>
-              </a:spcBef>
-              <a:spcAft>
-                <a:spcPts val="0"/>
-              </a:spcAft>
-              <a:buClrTx/>
-              <a:buSzTx/>
-              <a:buFontTx/>
-              <a:buNone/>
-              <a:tabLst/>
-              <a:defRPr/>
-            </a:pPr>
-            <a:r>
-              <a:rPr lang="de-DE" dirty="0"/>
-              <a:t>(danach HAL Browser zeigen, neue </a:t>
-            </a:r>
-            <a:r>
-              <a:rPr lang="de-DE" dirty="0" err="1"/>
-              <a:t>Queries</a:t>
-            </a:r>
-            <a:r>
-              <a:rPr lang="de-DE" dirty="0"/>
-              <a:t> da)</a:t>
-            </a:r>
-            <a:endParaRPr lang="en-GB" dirty="0"/>
+            <a:endParaRPr lang="de-DE" dirty="0"/>
           </a:p>
         </p:txBody>
       </p:sp>
@@ -886,7 +829,7 @@
           <a:p>
             <a:fld id="{5F0FCDCF-7A11-A043-9155-2050B044F50A}" type="slidenum">
               <a:rPr lang="de-DE" smtClean="0"/>
-              <a:t>8</a:t>
+              <a:t>7</a:t>
             </a:fld>
             <a:endParaRPr lang="de-DE" dirty="0"/>
           </a:p>
@@ -895,7 +838,7 @@
     </p:spTree>
     <p:extLst>
       <p:ext uri="{BB962C8B-B14F-4D97-AF65-F5344CB8AC3E}">
-        <p14:creationId xmlns:p14="http://schemas.microsoft.com/office/powerpoint/2010/main" val="2591993828"/>
+        <p14:creationId xmlns:p14="http://schemas.microsoft.com/office/powerpoint/2010/main" val="1822300000"/>
       </p:ext>
     </p:extLst>
   </p:cSld>
@@ -949,69 +892,66 @@
           <a:bodyPr/>
           <a:lstStyle/>
           <a:p>
-            <a:r>
-              <a:rPr lang="de-DE" dirty="0"/>
-              <a:t>Theorie – Navigation und Struktur</a:t>
-            </a:r>
-          </a:p>
-          <a:p>
-            <a:r>
-              <a:rPr lang="de-DE" dirty="0"/>
-              <a:t>REST via HAL Browser</a:t>
-            </a:r>
-          </a:p>
-          <a:p>
-            <a:r>
-              <a:rPr lang="de-DE" dirty="0"/>
-              <a:t>REST via Postman, </a:t>
+            <a:pPr marL="0" marR="0" lvl="0" indent="0" algn="l" defTabSz="457200" rtl="0" eaLnBrk="1" fontAlgn="auto" latinLnBrk="0" hangingPunct="1">
+              <a:lnSpc>
+                <a:spcPct val="100000"/>
+              </a:lnSpc>
+              <a:spcBef>
+                <a:spcPts val="0"/>
+              </a:spcBef>
+              <a:spcAft>
+                <a:spcPts val="0"/>
+              </a:spcAft>
+              <a:buClrTx/>
+              <a:buSzTx/>
+              <a:buFontTx/>
+              <a:buNone/>
+              <a:tabLst/>
+              <a:defRPr/>
+            </a:pPr>
+            <a:r>
+              <a:rPr lang="de-DE" dirty="0"/>
+              <a:t>Hinweis: auf </a:t>
             </a:r>
             <a:r>
               <a:rPr lang="de-DE" dirty="0" err="1"/>
-              <a:t>associate</a:t>
-            </a:r>
-            <a:r>
-              <a:rPr lang="de-DE" dirty="0"/>
-              <a:t> Event </a:t>
+              <a:t>Stacktrace</a:t>
+            </a:r>
+            <a:r>
+              <a:rPr lang="de-DE" dirty="0"/>
+              <a:t> achten =&gt; Fehlertipps darin</a:t>
+            </a:r>
+          </a:p>
+          <a:p>
+            <a:pPr marL="0" marR="0" lvl="0" indent="0" algn="l" defTabSz="457200" rtl="0" eaLnBrk="1" fontAlgn="auto" latinLnBrk="0" hangingPunct="1">
+              <a:lnSpc>
+                <a:spcPct val="100000"/>
+              </a:lnSpc>
+              <a:spcBef>
+                <a:spcPts val="0"/>
+              </a:spcBef>
+              <a:spcAft>
+                <a:spcPts val="0"/>
+              </a:spcAft>
+              <a:buClrTx/>
+              <a:buSzTx/>
+              <a:buFontTx/>
+              <a:buNone/>
+              <a:tabLst/>
+              <a:defRPr/>
+            </a:pPr>
+            <a:r>
+              <a:rPr lang="de-DE" dirty="0"/>
+              <a:t>(danach HAL Browser zeigen, neue </a:t>
             </a:r>
             <a:r>
               <a:rPr lang="de-DE" dirty="0" err="1"/>
-              <a:t>with</a:t>
-            </a:r>
-            <a:r>
-              <a:rPr lang="de-DE" dirty="0"/>
-              <a:t> Speaker (nicht JSON </a:t>
-            </a:r>
-            <a:r>
-              <a:rPr lang="de-DE" dirty="0" err="1"/>
-              <a:t>sonder</a:t>
-            </a:r>
-            <a:r>
-              <a:rPr lang="de-DE" dirty="0"/>
-              <a:t> Link-List, PUT/PATCH auf /</a:t>
-            </a:r>
-            <a:r>
-              <a:rPr lang="de-DE" dirty="0" err="1"/>
-              <a:t>event</a:t>
-            </a:r>
-            <a:r>
-              <a:rPr lang="de-DE" dirty="0"/>
-              <a:t>/</a:t>
-            </a:r>
-            <a:r>
-              <a:rPr lang="de-DE" dirty="0" err="1"/>
-              <a:t>id</a:t>
-            </a:r>
-            <a:r>
-              <a:rPr lang="de-DE" dirty="0"/>
-              <a:t>/</a:t>
-            </a:r>
-            <a:r>
-              <a:rPr lang="de-DE" dirty="0" err="1"/>
-              <a:t>speakers</a:t>
-            </a:r>
-            <a:endParaRPr lang="en-GB" dirty="0"/>
-          </a:p>
-          <a:p>
+              <a:t>Queries</a:t>
+            </a:r>
+            <a:r>
+              <a:rPr lang="de-DE" dirty="0"/>
+              <a:t> da)</a:t>
+            </a:r>
             <a:endParaRPr lang="en-GB" dirty="0"/>
           </a:p>
         </p:txBody>
@@ -1033,7 +973,7 @@
           <a:p>
             <a:fld id="{5F0FCDCF-7A11-A043-9155-2050B044F50A}" type="slidenum">
               <a:rPr lang="de-DE" smtClean="0"/>
-              <a:t>11</a:t>
+              <a:t>8</a:t>
             </a:fld>
             <a:endParaRPr lang="de-DE" dirty="0"/>
           </a:p>
@@ -1042,7 +982,7 @@
     </p:spTree>
     <p:extLst>
       <p:ext uri="{BB962C8B-B14F-4D97-AF65-F5344CB8AC3E}">
-        <p14:creationId xmlns:p14="http://schemas.microsoft.com/office/powerpoint/2010/main" val="3771566176"/>
+        <p14:creationId xmlns:p14="http://schemas.microsoft.com/office/powerpoint/2010/main" val="2591993828"/>
       </p:ext>
     </p:extLst>
   </p:cSld>
@@ -1098,24 +1038,67 @@
           <a:p>
             <a:r>
               <a:rPr lang="de-DE" dirty="0"/>
-              <a:t>Umbauen: Links nutzen; vorher im Server Links brechen, siehe </a:t>
+              <a:t>Theorie – Navigation und Struktur</a:t>
+            </a:r>
+          </a:p>
+          <a:p>
+            <a:r>
+              <a:rPr lang="de-DE" dirty="0"/>
+              <a:t>REST via HAL Browser</a:t>
+            </a:r>
+          </a:p>
+          <a:p>
+            <a:r>
+              <a:rPr lang="de-DE" dirty="0"/>
+              <a:t>REST via Postman, </a:t>
             </a:r>
             <a:r>
               <a:rPr lang="de-DE" dirty="0" err="1"/>
-              <a:t>branch</a:t>
-            </a:r>
-            <a:r>
-              <a:rPr lang="de-DE" dirty="0"/>
-              <a:t> (</a:t>
+              <a:t>associate</a:t>
+            </a:r>
+            <a:r>
+              <a:rPr lang="de-DE" dirty="0"/>
+              <a:t> Event </a:t>
             </a:r>
             <a:r>
               <a:rPr lang="de-DE" dirty="0" err="1"/>
-              <a:t>path</a:t>
-            </a:r>
-            <a:r>
-              <a:rPr lang="de-DE" dirty="0"/>
-              <a:t> ändern)</a:t>
-            </a:r>
+              <a:t>with</a:t>
+            </a:r>
+            <a:r>
+              <a:rPr lang="de-DE" dirty="0"/>
+              <a:t> Speaker (nicht JSON </a:t>
+            </a:r>
+            <a:r>
+              <a:rPr lang="de-DE" dirty="0" err="1"/>
+              <a:t>sonder</a:t>
+            </a:r>
+            <a:r>
+              <a:rPr lang="de-DE" dirty="0"/>
+              <a:t> Link-List, PUT/PATCH auf /</a:t>
+            </a:r>
+            <a:r>
+              <a:rPr lang="de-DE" dirty="0" err="1"/>
+              <a:t>event</a:t>
+            </a:r>
+            <a:r>
+              <a:rPr lang="de-DE" dirty="0"/>
+              <a:t>/</a:t>
+            </a:r>
+            <a:r>
+              <a:rPr lang="de-DE" dirty="0" err="1"/>
+              <a:t>id</a:t>
+            </a:r>
+            <a:r>
+              <a:rPr lang="de-DE" dirty="0"/>
+              <a:t>/</a:t>
+            </a:r>
+            <a:r>
+              <a:rPr lang="de-DE" dirty="0" err="1"/>
+              <a:t>speakers</a:t>
+            </a:r>
+            <a:endParaRPr lang="en-GB" dirty="0"/>
+          </a:p>
+          <a:p>
             <a:endParaRPr lang="en-GB" dirty="0"/>
           </a:p>
         </p:txBody>
@@ -1137,7 +1120,7 @@
           <a:p>
             <a:fld id="{5F0FCDCF-7A11-A043-9155-2050B044F50A}" type="slidenum">
               <a:rPr lang="de-DE" smtClean="0"/>
-              <a:t>12</a:t>
+              <a:t>13</a:t>
             </a:fld>
             <a:endParaRPr lang="de-DE" dirty="0"/>
           </a:p>
@@ -1146,7 +1129,7 @@
     </p:spTree>
     <p:extLst>
       <p:ext uri="{BB962C8B-B14F-4D97-AF65-F5344CB8AC3E}">
-        <p14:creationId xmlns:p14="http://schemas.microsoft.com/office/powerpoint/2010/main" val="78840189"/>
+        <p14:creationId xmlns:p14="http://schemas.microsoft.com/office/powerpoint/2010/main" val="3771566176"/>
       </p:ext>
     </p:extLst>
   </p:cSld>
@@ -1241,7 +1224,111 @@
           <a:p>
             <a:fld id="{5F0FCDCF-7A11-A043-9155-2050B044F50A}" type="slidenum">
               <a:rPr lang="de-DE" smtClean="0"/>
-              <a:t>13</a:t>
+              <a:t>14</a:t>
+            </a:fld>
+            <a:endParaRPr lang="de-DE" dirty="0"/>
+          </a:p>
+        </p:txBody>
+      </p:sp>
+    </p:spTree>
+    <p:extLst>
+      <p:ext uri="{BB962C8B-B14F-4D97-AF65-F5344CB8AC3E}">
+        <p14:creationId xmlns:p14="http://schemas.microsoft.com/office/powerpoint/2010/main" val="78840189"/>
+      </p:ext>
+    </p:extLst>
+  </p:cSld>
+  <p:clrMapOvr>
+    <a:masterClrMapping/>
+  </p:clrMapOvr>
+</p:notes>
+</file>
+
+<file path=ppt/notesSlides/notesSlide6.xml><?xml version="1.0" encoding="utf-8"?>
+<p:notes xmlns:a="http://schemas.openxmlformats.org/drawingml/2006/main" xmlns:r="http://schemas.openxmlformats.org/officeDocument/2006/relationships" xmlns:p="http://schemas.openxmlformats.org/presentationml/2006/main">
+  <p:cSld>
+    <p:spTree>
+      <p:nvGrpSpPr>
+        <p:cNvPr id="1" name=""/>
+        <p:cNvGrpSpPr/>
+        <p:nvPr/>
+      </p:nvGrpSpPr>
+      <p:grpSpPr>
+        <a:xfrm>
+          <a:off x="0" y="0"/>
+          <a:ext cx="0" cy="0"/>
+          <a:chOff x="0" y="0"/>
+          <a:chExt cx="0" cy="0"/>
+        </a:xfrm>
+      </p:grpSpPr>
+      <p:sp>
+        <p:nvSpPr>
+          <p:cNvPr id="2" name="Folienbildplatzhalter 1"/>
+          <p:cNvSpPr>
+            <a:spLocks noGrp="1" noRot="1" noChangeAspect="1"/>
+          </p:cNvSpPr>
+          <p:nvPr>
+            <p:ph type="sldImg"/>
+          </p:nvPr>
+        </p:nvSpPr>
+        <p:spPr/>
+      </p:sp>
+      <p:sp>
+        <p:nvSpPr>
+          <p:cNvPr id="3" name="Notizenplatzhalter 2"/>
+          <p:cNvSpPr>
+            <a:spLocks noGrp="1"/>
+          </p:cNvSpPr>
+          <p:nvPr>
+            <p:ph type="body" idx="1"/>
+          </p:nvPr>
+        </p:nvSpPr>
+        <p:spPr/>
+        <p:txBody>
+          <a:bodyPr/>
+          <a:lstStyle/>
+          <a:p>
+            <a:r>
+              <a:rPr lang="de-DE" dirty="0"/>
+              <a:t>Umbauen: Links nutzen; vorher im Server Links brechen, siehe </a:t>
+            </a:r>
+            <a:r>
+              <a:rPr lang="de-DE" dirty="0" err="1"/>
+              <a:t>branch</a:t>
+            </a:r>
+            <a:r>
+              <a:rPr lang="de-DE" dirty="0"/>
+              <a:t> (</a:t>
+            </a:r>
+            <a:r>
+              <a:rPr lang="de-DE" dirty="0" err="1"/>
+              <a:t>path</a:t>
+            </a:r>
+            <a:r>
+              <a:rPr lang="de-DE" dirty="0"/>
+              <a:t> ändern)</a:t>
+            </a:r>
+            <a:endParaRPr lang="en-GB" dirty="0"/>
+          </a:p>
+        </p:txBody>
+      </p:sp>
+      <p:sp>
+        <p:nvSpPr>
+          <p:cNvPr id="4" name="Foliennummernplatzhalter 3"/>
+          <p:cNvSpPr>
+            <a:spLocks noGrp="1"/>
+          </p:cNvSpPr>
+          <p:nvPr>
+            <p:ph type="sldNum" sz="quarter" idx="10"/>
+          </p:nvPr>
+        </p:nvSpPr>
+        <p:spPr/>
+        <p:txBody>
+          <a:bodyPr/>
+          <a:lstStyle/>
+          <a:p>
+            <a:fld id="{5F0FCDCF-7A11-A043-9155-2050B044F50A}" type="slidenum">
+              <a:rPr lang="de-DE" smtClean="0"/>
+              <a:t>15</a:t>
             </a:fld>
             <a:endParaRPr lang="de-DE" dirty="0"/>
           </a:p>
@@ -5999,9 +6086,10 @@
           <a:lstStyle/>
           <a:p>
             <a:r>
-              <a:rPr lang="de-DE" sz="7200" dirty="0"/>
-              <a:t>24.05.2017</a:t>
-            </a:r>
+              <a:rPr lang="de-DE" sz="7200" dirty="0" smtClean="0"/>
+              <a:t>09.02.2018</a:t>
+            </a:r>
+            <a:endParaRPr lang="de-DE" sz="7200" dirty="0"/>
           </a:p>
           <a:p>
             <a:r>
@@ -6109,31 +6197,6 @@
       </p:grpSpPr>
       <p:sp>
         <p:nvSpPr>
-          <p:cNvPr id="2" name="Textplatzhalter 1"/>
-          <p:cNvSpPr>
-            <a:spLocks noGrp="1"/>
-          </p:cNvSpPr>
-          <p:nvPr>
-            <p:ph type="body" sz="half" idx="2"/>
-          </p:nvPr>
-        </p:nvSpPr>
-        <p:spPr/>
-        <p:txBody>
-          <a:bodyPr>
-            <a:normAutofit fontScale="85000" lnSpcReduction="10000"/>
-          </a:bodyPr>
-          <a:lstStyle/>
-          <a:p>
-            <a:r>
-              <a:rPr lang="de-DE" dirty="0"/>
-              <a:t>30 min</a:t>
-            </a:r>
-            <a:endParaRPr lang="en-GB" dirty="0"/>
-          </a:p>
-        </p:txBody>
-      </p:sp>
-      <p:sp>
-        <p:nvSpPr>
           <p:cNvPr id="3" name="Fußzeilenplatzhalter 2"/>
           <p:cNvSpPr>
             <a:spLocks noGrp="1"/>
@@ -6196,35 +6259,46 @@
           <a:p>
             <a:r>
               <a:rPr lang="de-DE" dirty="0"/>
-              <a:t>Integrationstests</a:t>
+              <a:t>Test Pyramide</a:t>
             </a:r>
             <a:endParaRPr lang="en-GB" dirty="0"/>
           </a:p>
         </p:txBody>
       </p:sp>
-      <p:sp>
-        <p:nvSpPr>
-          <p:cNvPr id="6" name="Textplatzhalter 5"/>
-          <p:cNvSpPr>
-            <a:spLocks noGrp="1"/>
-          </p:cNvSpPr>
-          <p:nvPr>
-            <p:ph type="body" sz="quarter" idx="12"/>
-          </p:nvPr>
-        </p:nvSpPr>
-        <p:spPr/>
-        <p:txBody>
-          <a:bodyPr/>
-          <a:lstStyle/>
-          <a:p>
-            <a:endParaRPr lang="en-GB" dirty="0"/>
-          </a:p>
-        </p:txBody>
-      </p:sp>
+      <p:pic>
+        <p:nvPicPr>
+          <p:cNvPr id="8" name="Grafik 7">
+            <a:extLst>
+              <a:ext uri="{FF2B5EF4-FFF2-40B4-BE49-F238E27FC236}">
+                <a16:creationId xmlns:a16="http://schemas.microsoft.com/office/drawing/2014/main" xmlns="" id="{B7FA2F16-7A8E-4172-8A76-296DFB9E8272}"/>
+              </a:ext>
+            </a:extLst>
+          </p:cNvPr>
+          <p:cNvPicPr>
+            <a:picLocks noChangeAspect="1"/>
+          </p:cNvPicPr>
+          <p:nvPr/>
+        </p:nvPicPr>
+        <p:blipFill>
+          <a:blip r:embed="rId2"/>
+          <a:stretch>
+            <a:fillRect/>
+          </a:stretch>
+        </p:blipFill>
+        <p:spPr>
+          <a:xfrm>
+            <a:off x="2025102" y="704886"/>
+            <a:ext cx="4929942" cy="4302991"/>
+          </a:xfrm>
+          <a:prstGeom prst="rect">
+            <a:avLst/>
+          </a:prstGeom>
+        </p:spPr>
+      </p:pic>
     </p:spTree>
     <p:extLst>
       <p:ext uri="{BB962C8B-B14F-4D97-AF65-F5344CB8AC3E}">
-        <p14:creationId xmlns:p14="http://schemas.microsoft.com/office/powerpoint/2010/main" val="1180044002"/>
+        <p14:creationId xmlns:p14="http://schemas.microsoft.com/office/powerpoint/2010/main" val="332983930"/>
       </p:ext>
     </p:extLst>
   </p:cSld>
@@ -6253,31 +6327,6 @@
       </p:grpSpPr>
       <p:sp>
         <p:nvSpPr>
-          <p:cNvPr id="2" name="Textplatzhalter 1"/>
-          <p:cNvSpPr>
-            <a:spLocks noGrp="1"/>
-          </p:cNvSpPr>
-          <p:nvPr>
-            <p:ph type="body" sz="half" idx="2"/>
-          </p:nvPr>
-        </p:nvSpPr>
-        <p:spPr/>
-        <p:txBody>
-          <a:bodyPr>
-            <a:normAutofit fontScale="85000" lnSpcReduction="10000"/>
-          </a:bodyPr>
-          <a:lstStyle/>
-          <a:p>
-            <a:r>
-              <a:rPr lang="de-DE" dirty="0"/>
-              <a:t>10 min</a:t>
-            </a:r>
-            <a:endParaRPr lang="en-GB" dirty="0"/>
-          </a:p>
-        </p:txBody>
-      </p:sp>
-      <p:sp>
-        <p:nvSpPr>
           <p:cNvPr id="3" name="Fußzeilenplatzhalter 2"/>
           <p:cNvSpPr>
             <a:spLocks noGrp="1"/>
@@ -6318,6 +6367,512 @@
               <a:rPr lang="de-DE" smtClean="0"/>
               <a:pPr/>
               <a:t>11</a:t>
+            </a:fld>
+            <a:endParaRPr lang="de-DE" dirty="0"/>
+          </a:p>
+        </p:txBody>
+      </p:sp>
+      <p:sp>
+        <p:nvSpPr>
+          <p:cNvPr id="5" name="Titel 4"/>
+          <p:cNvSpPr>
+            <a:spLocks noGrp="1"/>
+          </p:cNvSpPr>
+          <p:nvPr>
+            <p:ph type="title"/>
+          </p:nvPr>
+        </p:nvSpPr>
+        <p:spPr/>
+        <p:txBody>
+          <a:bodyPr/>
+          <a:lstStyle/>
+          <a:p>
+            <a:r>
+              <a:rPr lang="de-DE" dirty="0"/>
+              <a:t>Integrationstests mit Spring Boot</a:t>
+            </a:r>
+            <a:endParaRPr lang="en-GB" dirty="0"/>
+          </a:p>
+        </p:txBody>
+      </p:sp>
+      <p:sp>
+        <p:nvSpPr>
+          <p:cNvPr id="2" name="Textplatzhalter 1"/>
+          <p:cNvSpPr>
+            <a:spLocks noGrp="1"/>
+          </p:cNvSpPr>
+          <p:nvPr>
+            <p:ph type="body" sz="quarter" idx="12"/>
+          </p:nvPr>
+        </p:nvSpPr>
+        <p:spPr/>
+        <p:txBody>
+          <a:bodyPr>
+            <a:normAutofit/>
+          </a:bodyPr>
+          <a:lstStyle/>
+          <a:p>
+            <a:r>
+              <a:rPr lang="en-US" dirty="0"/>
+              <a:t>@</a:t>
+            </a:r>
+            <a:r>
+              <a:rPr lang="en-US" dirty="0" err="1"/>
+              <a:t>SpringBootTest</a:t>
+            </a:r>
+            <a:r>
+              <a:rPr lang="en-US" dirty="0"/>
+              <a:t> – </a:t>
+            </a:r>
+            <a:r>
+              <a:rPr lang="en-US" dirty="0" err="1"/>
+              <a:t>kompletter</a:t>
+            </a:r>
+            <a:r>
+              <a:rPr lang="en-US" dirty="0"/>
+              <a:t> Test </a:t>
+            </a:r>
+            <a:r>
+              <a:rPr lang="en-US" dirty="0" err="1"/>
+              <a:t>mit</a:t>
+            </a:r>
+            <a:r>
+              <a:rPr lang="en-US" dirty="0"/>
+              <a:t> </a:t>
+            </a:r>
+            <a:r>
+              <a:rPr lang="en-US" dirty="0" err="1"/>
+              <a:t>echtem</a:t>
+            </a:r>
+            <a:r>
+              <a:rPr lang="en-US" dirty="0"/>
+              <a:t> Server</a:t>
+            </a:r>
+          </a:p>
+          <a:p>
+            <a:r>
+              <a:rPr lang="en-US" dirty="0"/>
+              <a:t>@</a:t>
+            </a:r>
+            <a:r>
+              <a:rPr lang="en-US" dirty="0" err="1"/>
+              <a:t>DataJpaTest</a:t>
+            </a:r>
+            <a:r>
+              <a:rPr lang="en-US" dirty="0"/>
+              <a:t> – </a:t>
+            </a:r>
+            <a:r>
+              <a:rPr lang="en-US" dirty="0" err="1"/>
+              <a:t>DataLayerTest</a:t>
+            </a:r>
+            <a:endParaRPr lang="en-US" dirty="0"/>
+          </a:p>
+          <a:p>
+            <a:pPr marL="0" indent="0">
+              <a:buNone/>
+            </a:pPr>
+            <a:endParaRPr lang="en-US" dirty="0"/>
+          </a:p>
+          <a:p>
+            <a:r>
+              <a:rPr lang="en-US" dirty="0"/>
+              <a:t>@</a:t>
+            </a:r>
+            <a:r>
+              <a:rPr lang="en-US" dirty="0" err="1"/>
+              <a:t>WebMvcTest</a:t>
+            </a:r>
+            <a:r>
+              <a:rPr lang="en-US" dirty="0"/>
+              <a:t> </a:t>
+            </a:r>
+            <a:r>
+              <a:rPr lang="en-US" dirty="0" err="1"/>
+              <a:t>mit</a:t>
+            </a:r>
+            <a:r>
+              <a:rPr lang="en-US" dirty="0"/>
+              <a:t> @</a:t>
+            </a:r>
+            <a:r>
+              <a:rPr lang="en-US" dirty="0" err="1"/>
+              <a:t>MockBean</a:t>
+            </a:r>
+            <a:r>
+              <a:rPr lang="en-US" dirty="0"/>
+              <a:t> – </a:t>
+            </a:r>
+            <a:r>
+              <a:rPr lang="en-US" dirty="0" err="1"/>
+              <a:t>ControllerTest</a:t>
+            </a:r>
+            <a:r>
+              <a:rPr lang="en-US" dirty="0"/>
+              <a:t> </a:t>
+            </a:r>
+            <a:r>
+              <a:rPr lang="en-US" dirty="0" err="1"/>
+              <a:t>mit</a:t>
+            </a:r>
+            <a:r>
+              <a:rPr lang="en-US" dirty="0"/>
+              <a:t> </a:t>
+            </a:r>
+            <a:r>
+              <a:rPr lang="en-US" dirty="0" err="1"/>
+              <a:t>gemockten</a:t>
+            </a:r>
+            <a:r>
+              <a:rPr lang="en-US" dirty="0"/>
+              <a:t> </a:t>
+            </a:r>
+            <a:r>
+              <a:rPr lang="en-US" dirty="0" err="1"/>
+              <a:t>Abh</a:t>
+            </a:r>
+            <a:r>
+              <a:rPr lang="de-DE" dirty="0" err="1"/>
+              <a:t>ängigkeiten</a:t>
+            </a:r>
+            <a:endParaRPr lang="de-DE" dirty="0"/>
+          </a:p>
+          <a:p>
+            <a:endParaRPr lang="en-US" dirty="0"/>
+          </a:p>
+          <a:p>
+            <a:endParaRPr lang="en-US" dirty="0"/>
+          </a:p>
+          <a:p>
+            <a:endParaRPr lang="en-US" dirty="0"/>
+          </a:p>
+          <a:p>
+            <a:endParaRPr lang="en-US" dirty="0"/>
+          </a:p>
+          <a:p>
+            <a:endParaRPr lang="de-DE" dirty="0"/>
+          </a:p>
+          <a:p>
+            <a:endParaRPr lang="en-GB" dirty="0"/>
+          </a:p>
+        </p:txBody>
+      </p:sp>
+    </p:spTree>
+    <p:extLst>
+      <p:ext uri="{BB962C8B-B14F-4D97-AF65-F5344CB8AC3E}">
+        <p14:creationId xmlns:p14="http://schemas.microsoft.com/office/powerpoint/2010/main" val="1868827724"/>
+      </p:ext>
+    </p:extLst>
+  </p:cSld>
+  <p:clrMapOvr>
+    <a:masterClrMapping/>
+  </p:clrMapOvr>
+</p:sld>
+</file>
+
+<file path=ppt/slides/slide12.xml><?xml version="1.0" encoding="utf-8"?>
+<p:sld xmlns:a="http://schemas.openxmlformats.org/drawingml/2006/main" xmlns:r="http://schemas.openxmlformats.org/officeDocument/2006/relationships" xmlns:p="http://schemas.openxmlformats.org/presentationml/2006/main">
+  <p:cSld>
+    <p:spTree>
+      <p:nvGrpSpPr>
+        <p:cNvPr id="1" name=""/>
+        <p:cNvGrpSpPr/>
+        <p:nvPr/>
+      </p:nvGrpSpPr>
+      <p:grpSpPr>
+        <a:xfrm>
+          <a:off x="0" y="0"/>
+          <a:ext cx="0" cy="0"/>
+          <a:chOff x="0" y="0"/>
+          <a:chExt cx="0" cy="0"/>
+        </a:xfrm>
+      </p:grpSpPr>
+      <p:sp>
+        <p:nvSpPr>
+          <p:cNvPr id="2" name="Textplatzhalter 1"/>
+          <p:cNvSpPr>
+            <a:spLocks noGrp="1"/>
+          </p:cNvSpPr>
+          <p:nvPr>
+            <p:ph type="body" sz="half" idx="2"/>
+          </p:nvPr>
+        </p:nvSpPr>
+        <p:spPr/>
+        <p:txBody>
+          <a:bodyPr>
+            <a:normAutofit fontScale="85000" lnSpcReduction="10000"/>
+          </a:bodyPr>
+          <a:lstStyle/>
+          <a:p>
+            <a:r>
+              <a:rPr lang="de-DE" dirty="0" smtClean="0"/>
+              <a:t>30 </a:t>
+            </a:r>
+            <a:r>
+              <a:rPr lang="de-DE" dirty="0"/>
+              <a:t>min</a:t>
+            </a:r>
+            <a:endParaRPr lang="en-GB" dirty="0"/>
+          </a:p>
+        </p:txBody>
+      </p:sp>
+      <p:sp>
+        <p:nvSpPr>
+          <p:cNvPr id="3" name="Fußzeilenplatzhalter 2"/>
+          <p:cNvSpPr>
+            <a:spLocks noGrp="1"/>
+          </p:cNvSpPr>
+          <p:nvPr>
+            <p:ph type="ftr" sz="quarter" idx="10"/>
+          </p:nvPr>
+        </p:nvSpPr>
+        <p:spPr/>
+        <p:txBody>
+          <a:bodyPr/>
+          <a:lstStyle/>
+          <a:p>
+            <a:r>
+              <a:rPr lang="en-US"/>
+              <a:t>Experts in agile software engineering</a:t>
+            </a:r>
+            <a:endParaRPr lang="de-DE" dirty="0"/>
+          </a:p>
+        </p:txBody>
+      </p:sp>
+      <p:sp>
+        <p:nvSpPr>
+          <p:cNvPr id="4" name="Foliennummernplatzhalter 3"/>
+          <p:cNvSpPr>
+            <a:spLocks noGrp="1"/>
+          </p:cNvSpPr>
+          <p:nvPr>
+            <p:ph type="sldNum" sz="quarter" idx="11"/>
+          </p:nvPr>
+        </p:nvSpPr>
+        <p:spPr/>
+        <p:txBody>
+          <a:bodyPr/>
+          <a:lstStyle/>
+          <a:p>
+            <a:fld id="{6C6AE60A-B69C-4790-82F7-3882EDF23186}" type="slidenum">
+              <a:rPr lang="de-DE" smtClean="0"/>
+              <a:pPr/>
+              <a:t>12</a:t>
+            </a:fld>
+            <a:endParaRPr lang="de-DE" dirty="0"/>
+          </a:p>
+        </p:txBody>
+      </p:sp>
+      <p:sp>
+        <p:nvSpPr>
+          <p:cNvPr id="5" name="Titel 4"/>
+          <p:cNvSpPr>
+            <a:spLocks noGrp="1"/>
+          </p:cNvSpPr>
+          <p:nvPr>
+            <p:ph type="title"/>
+          </p:nvPr>
+        </p:nvSpPr>
+        <p:spPr/>
+        <p:txBody>
+          <a:bodyPr/>
+          <a:lstStyle/>
+          <a:p>
+            <a:r>
+              <a:rPr lang="de-DE" dirty="0"/>
+              <a:t>Integrationstest schreiben!</a:t>
+            </a:r>
+            <a:endParaRPr lang="en-GB" dirty="0"/>
+          </a:p>
+        </p:txBody>
+      </p:sp>
+      <p:sp>
+        <p:nvSpPr>
+          <p:cNvPr id="6" name="Textplatzhalter 5"/>
+          <p:cNvSpPr>
+            <a:spLocks noGrp="1"/>
+          </p:cNvSpPr>
+          <p:nvPr>
+            <p:ph type="body" sz="quarter" idx="12"/>
+          </p:nvPr>
+        </p:nvSpPr>
+        <p:spPr/>
+        <p:txBody>
+          <a:bodyPr/>
+          <a:lstStyle/>
+          <a:p>
+            <a:pPr>
+              <a:buFont typeface="Arial" panose="020B0604020202020204" pitchFamily="34" charset="0"/>
+              <a:buChar char="•"/>
+            </a:pPr>
+            <a:r>
+              <a:rPr lang="en-US" dirty="0"/>
+              <a:t>@</a:t>
+            </a:r>
+            <a:r>
+              <a:rPr lang="en-US" dirty="0" err="1"/>
+              <a:t>DataJpaTest</a:t>
+            </a:r>
+            <a:r>
+              <a:rPr lang="en-US" dirty="0"/>
+              <a:t> </a:t>
+            </a:r>
+          </a:p>
+          <a:p>
+            <a:pPr>
+              <a:buFont typeface="Arial" panose="020B0604020202020204" pitchFamily="34" charset="0"/>
+              <a:buChar char="•"/>
+            </a:pPr>
+            <a:r>
+              <a:rPr lang="en-US" dirty="0" err="1"/>
+              <a:t>Implementiere</a:t>
+            </a:r>
+            <a:r>
+              <a:rPr lang="en-US" dirty="0"/>
+              <a:t> </a:t>
+            </a:r>
+            <a:r>
+              <a:rPr lang="en-US" dirty="0" err="1"/>
+              <a:t>einen</a:t>
+            </a:r>
+            <a:r>
+              <a:rPr lang="en-US" dirty="0"/>
+              <a:t> Test f</a:t>
+            </a:r>
+            <a:r>
+              <a:rPr lang="de-DE" dirty="0" err="1"/>
+              <a:t>ür</a:t>
+            </a:r>
+            <a:r>
+              <a:rPr lang="de-DE" dirty="0"/>
+              <a:t> die </a:t>
+            </a:r>
+            <a:r>
+              <a:rPr lang="de-DE" dirty="0" smtClean="0"/>
+              <a:t>Suche</a:t>
+            </a:r>
+          </a:p>
+          <a:p>
+            <a:pPr>
+              <a:buFont typeface="Wingdings" panose="05000000000000000000" pitchFamily="2" charset="2"/>
+              <a:buChar char="Ø"/>
+            </a:pPr>
+            <a:endParaRPr lang="en-US" dirty="0"/>
+          </a:p>
+          <a:p>
+            <a:pPr marL="0" indent="0">
+              <a:buNone/>
+            </a:pPr>
+            <a:endParaRPr lang="en-US" dirty="0"/>
+          </a:p>
+          <a:p>
+            <a:pPr marL="0" indent="0">
+              <a:buNone/>
+            </a:pPr>
+            <a:endParaRPr lang="de-DE" dirty="0"/>
+          </a:p>
+          <a:p>
+            <a:endParaRPr lang="en-GB" dirty="0"/>
+          </a:p>
+        </p:txBody>
+      </p:sp>
+    </p:spTree>
+    <p:extLst>
+      <p:ext uri="{BB962C8B-B14F-4D97-AF65-F5344CB8AC3E}">
+        <p14:creationId xmlns:p14="http://schemas.microsoft.com/office/powerpoint/2010/main" val="1723449247"/>
+      </p:ext>
+    </p:extLst>
+  </p:cSld>
+  <p:clrMapOvr>
+    <a:masterClrMapping/>
+  </p:clrMapOvr>
+</p:sld>
+</file>
+
+<file path=ppt/slides/slide13.xml><?xml version="1.0" encoding="utf-8"?>
+<p:sld xmlns:a="http://schemas.openxmlformats.org/drawingml/2006/main" xmlns:r="http://schemas.openxmlformats.org/officeDocument/2006/relationships" xmlns:p="http://schemas.openxmlformats.org/presentationml/2006/main">
+  <p:cSld>
+    <p:spTree>
+      <p:nvGrpSpPr>
+        <p:cNvPr id="1" name=""/>
+        <p:cNvGrpSpPr/>
+        <p:nvPr/>
+      </p:nvGrpSpPr>
+      <p:grpSpPr>
+        <a:xfrm>
+          <a:off x="0" y="0"/>
+          <a:ext cx="0" cy="0"/>
+          <a:chOff x="0" y="0"/>
+          <a:chExt cx="0" cy="0"/>
+        </a:xfrm>
+      </p:grpSpPr>
+      <p:sp>
+        <p:nvSpPr>
+          <p:cNvPr id="2" name="Textplatzhalter 1"/>
+          <p:cNvSpPr>
+            <a:spLocks noGrp="1"/>
+          </p:cNvSpPr>
+          <p:nvPr>
+            <p:ph type="body" sz="half" idx="2"/>
+          </p:nvPr>
+        </p:nvSpPr>
+        <p:spPr/>
+        <p:txBody>
+          <a:bodyPr>
+            <a:normAutofit fontScale="85000" lnSpcReduction="10000"/>
+          </a:bodyPr>
+          <a:lstStyle/>
+          <a:p>
+            <a:r>
+              <a:rPr lang="de-DE" dirty="0"/>
+              <a:t>10 min</a:t>
+            </a:r>
+            <a:endParaRPr lang="en-GB" dirty="0"/>
+          </a:p>
+        </p:txBody>
+      </p:sp>
+      <p:sp>
+        <p:nvSpPr>
+          <p:cNvPr id="3" name="Fußzeilenplatzhalter 2"/>
+          <p:cNvSpPr>
+            <a:spLocks noGrp="1"/>
+          </p:cNvSpPr>
+          <p:nvPr>
+            <p:ph type="ftr" sz="quarter" idx="10"/>
+          </p:nvPr>
+        </p:nvSpPr>
+        <p:spPr/>
+        <p:txBody>
+          <a:bodyPr/>
+          <a:lstStyle/>
+          <a:p>
+            <a:r>
+              <a:rPr lang="en-US"/>
+              <a:t>Experts in agile software engineering</a:t>
+            </a:r>
+            <a:endParaRPr lang="de-DE" dirty="0"/>
+          </a:p>
+        </p:txBody>
+      </p:sp>
+      <p:sp>
+        <p:nvSpPr>
+          <p:cNvPr id="4" name="Foliennummernplatzhalter 3"/>
+          <p:cNvSpPr>
+            <a:spLocks noGrp="1"/>
+          </p:cNvSpPr>
+          <p:nvPr>
+            <p:ph type="sldNum" sz="quarter" idx="11"/>
+          </p:nvPr>
+        </p:nvSpPr>
+        <p:spPr/>
+        <p:txBody>
+          <a:bodyPr/>
+          <a:lstStyle/>
+          <a:p>
+            <a:fld id="{6C6AE60A-B69C-4790-82F7-3882EDF23186}" type="slidenum">
+              <a:rPr lang="de-DE" smtClean="0"/>
+              <a:pPr/>
+              <a:t>13</a:t>
             </a:fld>
             <a:endParaRPr lang="de-DE" dirty="0"/>
           </a:p>
@@ -6434,335 +6989,6 @@
 </p:sld>
 </file>
 
-<file path=ppt/slides/slide12.xml><?xml version="1.0" encoding="utf-8"?>
-<p:sld xmlns:a="http://schemas.openxmlformats.org/drawingml/2006/main" xmlns:r="http://schemas.openxmlformats.org/officeDocument/2006/relationships" xmlns:p="http://schemas.openxmlformats.org/presentationml/2006/main">
-  <p:cSld>
-    <p:spTree>
-      <p:nvGrpSpPr>
-        <p:cNvPr id="1" name=""/>
-        <p:cNvGrpSpPr/>
-        <p:nvPr/>
-      </p:nvGrpSpPr>
-      <p:grpSpPr>
-        <a:xfrm>
-          <a:off x="0" y="0"/>
-          <a:ext cx="0" cy="0"/>
-          <a:chOff x="0" y="0"/>
-          <a:chExt cx="0" cy="0"/>
-        </a:xfrm>
-      </p:grpSpPr>
-      <p:sp>
-        <p:nvSpPr>
-          <p:cNvPr id="2" name="Textplatzhalter 1"/>
-          <p:cNvSpPr>
-            <a:spLocks noGrp="1"/>
-          </p:cNvSpPr>
-          <p:nvPr>
-            <p:ph type="body" sz="half" idx="2"/>
-          </p:nvPr>
-        </p:nvSpPr>
-        <p:spPr/>
-        <p:txBody>
-          <a:bodyPr>
-            <a:normAutofit fontScale="85000" lnSpcReduction="10000"/>
-          </a:bodyPr>
-          <a:lstStyle/>
-          <a:p>
-            <a:r>
-              <a:rPr lang="de-DE" dirty="0"/>
-              <a:t>30 min</a:t>
-            </a:r>
-            <a:endParaRPr lang="en-GB" dirty="0"/>
-          </a:p>
-        </p:txBody>
-      </p:sp>
-      <p:sp>
-        <p:nvSpPr>
-          <p:cNvPr id="3" name="Fußzeilenplatzhalter 2"/>
-          <p:cNvSpPr>
-            <a:spLocks noGrp="1"/>
-          </p:cNvSpPr>
-          <p:nvPr>
-            <p:ph type="ftr" sz="quarter" idx="10"/>
-          </p:nvPr>
-        </p:nvSpPr>
-        <p:spPr/>
-        <p:txBody>
-          <a:bodyPr/>
-          <a:lstStyle/>
-          <a:p>
-            <a:r>
-              <a:rPr lang="en-US"/>
-              <a:t>Experts in agile software engineering</a:t>
-            </a:r>
-            <a:endParaRPr lang="de-DE" dirty="0"/>
-          </a:p>
-        </p:txBody>
-      </p:sp>
-      <p:sp>
-        <p:nvSpPr>
-          <p:cNvPr id="4" name="Foliennummernplatzhalter 3"/>
-          <p:cNvSpPr>
-            <a:spLocks noGrp="1"/>
-          </p:cNvSpPr>
-          <p:nvPr>
-            <p:ph type="sldNum" sz="quarter" idx="11"/>
-          </p:nvPr>
-        </p:nvSpPr>
-        <p:spPr/>
-        <p:txBody>
-          <a:bodyPr/>
-          <a:lstStyle/>
-          <a:p>
-            <a:fld id="{6C6AE60A-B69C-4790-82F7-3882EDF23186}" type="slidenum">
-              <a:rPr lang="de-DE" smtClean="0"/>
-              <a:pPr/>
-              <a:t>12</a:t>
-            </a:fld>
-            <a:endParaRPr lang="de-DE" dirty="0"/>
-          </a:p>
-        </p:txBody>
-      </p:sp>
-      <p:sp>
-        <p:nvSpPr>
-          <p:cNvPr id="5" name="Titel 4"/>
-          <p:cNvSpPr>
-            <a:spLocks noGrp="1"/>
-          </p:cNvSpPr>
-          <p:nvPr>
-            <p:ph type="title"/>
-          </p:nvPr>
-        </p:nvSpPr>
-        <p:spPr/>
-        <p:txBody>
-          <a:bodyPr/>
-          <a:lstStyle/>
-          <a:p>
-            <a:r>
-              <a:rPr lang="de-DE" dirty="0"/>
-              <a:t>Hypermedia: Praxisteil</a:t>
-            </a:r>
-            <a:endParaRPr lang="en-GB" dirty="0"/>
-          </a:p>
-        </p:txBody>
-      </p:sp>
-      <p:sp>
-        <p:nvSpPr>
-          <p:cNvPr id="6" name="Textplatzhalter 5"/>
-          <p:cNvSpPr>
-            <a:spLocks noGrp="1"/>
-          </p:cNvSpPr>
-          <p:nvPr>
-            <p:ph type="body" sz="quarter" idx="12"/>
-          </p:nvPr>
-        </p:nvSpPr>
-        <p:spPr/>
-        <p:txBody>
-          <a:bodyPr/>
-          <a:lstStyle/>
-          <a:p>
-            <a:endParaRPr lang="en-GB"/>
-          </a:p>
-        </p:txBody>
-      </p:sp>
-    </p:spTree>
-    <p:extLst>
-      <p:ext uri="{BB962C8B-B14F-4D97-AF65-F5344CB8AC3E}">
-        <p14:creationId xmlns:p14="http://schemas.microsoft.com/office/powerpoint/2010/main" val="3239943257"/>
-      </p:ext>
-    </p:extLst>
-  </p:cSld>
-  <p:clrMapOvr>
-    <a:masterClrMapping/>
-  </p:clrMapOvr>
-</p:sld>
-</file>
-
-<file path=ppt/slides/slide13.xml><?xml version="1.0" encoding="utf-8"?>
-<p:sld xmlns:a="http://schemas.openxmlformats.org/drawingml/2006/main" xmlns:r="http://schemas.openxmlformats.org/officeDocument/2006/relationships" xmlns:p="http://schemas.openxmlformats.org/presentationml/2006/main">
-  <p:cSld>
-    <p:spTree>
-      <p:nvGrpSpPr>
-        <p:cNvPr id="1" name=""/>
-        <p:cNvGrpSpPr/>
-        <p:nvPr/>
-      </p:nvGrpSpPr>
-      <p:grpSpPr>
-        <a:xfrm>
-          <a:off x="0" y="0"/>
-          <a:ext cx="0" cy="0"/>
-          <a:chOff x="0" y="0"/>
-          <a:chExt cx="0" cy="0"/>
-        </a:xfrm>
-      </p:grpSpPr>
-      <p:sp>
-        <p:nvSpPr>
-          <p:cNvPr id="2" name="Textplatzhalter 1"/>
-          <p:cNvSpPr>
-            <a:spLocks noGrp="1"/>
-          </p:cNvSpPr>
-          <p:nvPr>
-            <p:ph type="body" sz="half" idx="2"/>
-          </p:nvPr>
-        </p:nvSpPr>
-        <p:spPr/>
-        <p:txBody>
-          <a:bodyPr>
-            <a:normAutofit fontScale="85000" lnSpcReduction="10000"/>
-          </a:bodyPr>
-          <a:lstStyle/>
-          <a:p>
-            <a:r>
-              <a:rPr lang="de-DE" dirty="0"/>
-              <a:t>30 min</a:t>
-            </a:r>
-            <a:endParaRPr lang="en-GB" dirty="0"/>
-          </a:p>
-        </p:txBody>
-      </p:sp>
-      <p:sp>
-        <p:nvSpPr>
-          <p:cNvPr id="3" name="Fußzeilenplatzhalter 2"/>
-          <p:cNvSpPr>
-            <a:spLocks noGrp="1"/>
-          </p:cNvSpPr>
-          <p:nvPr>
-            <p:ph type="ftr" sz="quarter" idx="10"/>
-          </p:nvPr>
-        </p:nvSpPr>
-        <p:spPr/>
-        <p:txBody>
-          <a:bodyPr/>
-          <a:lstStyle/>
-          <a:p>
-            <a:r>
-              <a:rPr lang="en-US"/>
-              <a:t>Experts in agile software engineering</a:t>
-            </a:r>
-            <a:endParaRPr lang="de-DE" dirty="0"/>
-          </a:p>
-        </p:txBody>
-      </p:sp>
-      <p:sp>
-        <p:nvSpPr>
-          <p:cNvPr id="4" name="Foliennummernplatzhalter 3"/>
-          <p:cNvSpPr>
-            <a:spLocks noGrp="1"/>
-          </p:cNvSpPr>
-          <p:nvPr>
-            <p:ph type="sldNum" sz="quarter" idx="11"/>
-          </p:nvPr>
-        </p:nvSpPr>
-        <p:spPr/>
-        <p:txBody>
-          <a:bodyPr/>
-          <a:lstStyle/>
-          <a:p>
-            <a:fld id="{6C6AE60A-B69C-4790-82F7-3882EDF23186}" type="slidenum">
-              <a:rPr lang="de-DE" smtClean="0"/>
-              <a:pPr/>
-              <a:t>13</a:t>
-            </a:fld>
-            <a:endParaRPr lang="de-DE" dirty="0"/>
-          </a:p>
-        </p:txBody>
-      </p:sp>
-      <p:sp>
-        <p:nvSpPr>
-          <p:cNvPr id="5" name="Titel 4"/>
-          <p:cNvSpPr>
-            <a:spLocks noGrp="1"/>
-          </p:cNvSpPr>
-          <p:nvPr>
-            <p:ph type="title"/>
-          </p:nvPr>
-        </p:nvSpPr>
-        <p:spPr/>
-        <p:txBody>
-          <a:bodyPr/>
-          <a:lstStyle/>
-          <a:p>
-            <a:r>
-              <a:rPr lang="de-DE" dirty="0"/>
-              <a:t>Mehr </a:t>
-            </a:r>
-            <a:r>
-              <a:rPr lang="de-DE" dirty="0" err="1"/>
-              <a:t>Repositories</a:t>
-            </a:r>
-            <a:r>
-              <a:rPr lang="de-DE" dirty="0"/>
-              <a:t>!</a:t>
-            </a:r>
-            <a:endParaRPr lang="en-GB" dirty="0"/>
-          </a:p>
-        </p:txBody>
-      </p:sp>
-      <p:sp>
-        <p:nvSpPr>
-          <p:cNvPr id="6" name="Textplatzhalter 5"/>
-          <p:cNvSpPr>
-            <a:spLocks noGrp="1"/>
-          </p:cNvSpPr>
-          <p:nvPr>
-            <p:ph type="body" sz="quarter" idx="12"/>
-          </p:nvPr>
-        </p:nvSpPr>
-        <p:spPr/>
-        <p:txBody>
-          <a:bodyPr/>
-          <a:lstStyle/>
-          <a:p>
-            <a:r>
-              <a:rPr lang="de-DE" dirty="0"/>
-              <a:t>z.B. </a:t>
-            </a:r>
-            <a:r>
-              <a:rPr lang="de-DE" dirty="0" err="1"/>
-              <a:t>PagingAndSortingRepository</a:t>
-            </a:r>
-            <a:r>
-              <a:rPr lang="de-DE" dirty="0"/>
-              <a:t> verwenden</a:t>
-            </a:r>
-          </a:p>
-          <a:p>
-            <a:endParaRPr lang="de-DE" dirty="0"/>
-          </a:p>
-          <a:p>
-            <a:pPr marL="0" indent="0">
-              <a:buNone/>
-            </a:pPr>
-            <a:r>
-              <a:rPr lang="de-DE" dirty="0"/>
-              <a:t>(Optionale Übung) </a:t>
-            </a:r>
-          </a:p>
-          <a:p>
-            <a:pPr marL="0" indent="0">
-              <a:buNone/>
-            </a:pPr>
-            <a:r>
-              <a:rPr lang="de-DE" dirty="0"/>
-              <a:t>=&gt; Paginierung auf der Hauptseite einbauen</a:t>
-            </a:r>
-            <a:endParaRPr lang="en-GB" dirty="0"/>
-          </a:p>
-        </p:txBody>
-      </p:sp>
-    </p:spTree>
-    <p:extLst>
-      <p:ext uri="{BB962C8B-B14F-4D97-AF65-F5344CB8AC3E}">
-        <p14:creationId xmlns:p14="http://schemas.microsoft.com/office/powerpoint/2010/main" val="2556789835"/>
-      </p:ext>
-    </p:extLst>
-  </p:cSld>
-  <p:clrMapOvr>
-    <a:masterClrMapping/>
-  </p:clrMapOvr>
-</p:sld>
-</file>
-
 <file path=ppt/slides/slide14.xml><?xml version="1.0" encoding="utf-8"?>
 <p:sld xmlns:a="http://schemas.openxmlformats.org/drawingml/2006/main" xmlns:r="http://schemas.openxmlformats.org/officeDocument/2006/relationships" xmlns:p="http://schemas.openxmlformats.org/presentationml/2006/main">
   <p:cSld>
@@ -6799,7 +7025,7 @@
           <a:p>
             <a:r>
               <a:rPr lang="de-DE" dirty="0"/>
-              <a:t>15 min</a:t>
+              <a:t>30 min</a:t>
             </a:r>
             <a:endParaRPr lang="en-GB" dirty="0"/>
           </a:p>
@@ -6869,6 +7095,561 @@
           <a:p>
             <a:r>
               <a:rPr lang="de-DE" dirty="0"/>
+              <a:t>Hypermedia: Praxisteil</a:t>
+            </a:r>
+            <a:endParaRPr lang="en-GB" dirty="0"/>
+          </a:p>
+        </p:txBody>
+      </p:sp>
+      <p:sp>
+        <p:nvSpPr>
+          <p:cNvPr id="6" name="Textplatzhalter 5"/>
+          <p:cNvSpPr>
+            <a:spLocks noGrp="1"/>
+          </p:cNvSpPr>
+          <p:nvPr>
+            <p:ph type="body" sz="quarter" idx="12"/>
+          </p:nvPr>
+        </p:nvSpPr>
+        <p:spPr/>
+        <p:txBody>
+          <a:bodyPr/>
+          <a:lstStyle/>
+          <a:p>
+            <a:endParaRPr lang="en-GB"/>
+          </a:p>
+        </p:txBody>
+      </p:sp>
+    </p:spTree>
+    <p:extLst>
+      <p:ext uri="{BB962C8B-B14F-4D97-AF65-F5344CB8AC3E}">
+        <p14:creationId xmlns:p14="http://schemas.microsoft.com/office/powerpoint/2010/main" val="3239943257"/>
+      </p:ext>
+    </p:extLst>
+  </p:cSld>
+  <p:clrMapOvr>
+    <a:masterClrMapping/>
+  </p:clrMapOvr>
+  <p:timing>
+    <p:tnLst>
+      <p:par>
+        <p:cTn id="1" dur="indefinite" restart="never" nodeType="tmRoot"/>
+      </p:par>
+    </p:tnLst>
+  </p:timing>
+</p:sld>
+</file>
+
+<file path=ppt/slides/slide15.xml><?xml version="1.0" encoding="utf-8"?>
+<p:sld xmlns:a="http://schemas.openxmlformats.org/drawingml/2006/main" xmlns:r="http://schemas.openxmlformats.org/officeDocument/2006/relationships" xmlns:p="http://schemas.openxmlformats.org/presentationml/2006/main">
+  <p:cSld>
+    <p:spTree>
+      <p:nvGrpSpPr>
+        <p:cNvPr id="1" name=""/>
+        <p:cNvGrpSpPr/>
+        <p:nvPr/>
+      </p:nvGrpSpPr>
+      <p:grpSpPr>
+        <a:xfrm>
+          <a:off x="0" y="0"/>
+          <a:ext cx="0" cy="0"/>
+          <a:chOff x="0" y="0"/>
+          <a:chExt cx="0" cy="0"/>
+        </a:xfrm>
+      </p:grpSpPr>
+      <p:sp>
+        <p:nvSpPr>
+          <p:cNvPr id="2" name="Textplatzhalter 1"/>
+          <p:cNvSpPr>
+            <a:spLocks noGrp="1"/>
+          </p:cNvSpPr>
+          <p:nvPr>
+            <p:ph type="body" sz="half" idx="2"/>
+          </p:nvPr>
+        </p:nvSpPr>
+        <p:spPr/>
+        <p:txBody>
+          <a:bodyPr>
+            <a:normAutofit fontScale="85000" lnSpcReduction="10000"/>
+          </a:bodyPr>
+          <a:lstStyle/>
+          <a:p>
+            <a:r>
+              <a:rPr lang="de-DE" dirty="0"/>
+              <a:t>30 min</a:t>
+            </a:r>
+            <a:endParaRPr lang="en-GB" dirty="0"/>
+          </a:p>
+        </p:txBody>
+      </p:sp>
+      <p:sp>
+        <p:nvSpPr>
+          <p:cNvPr id="3" name="Fußzeilenplatzhalter 2"/>
+          <p:cNvSpPr>
+            <a:spLocks noGrp="1"/>
+          </p:cNvSpPr>
+          <p:nvPr>
+            <p:ph type="ftr" sz="quarter" idx="10"/>
+          </p:nvPr>
+        </p:nvSpPr>
+        <p:spPr/>
+        <p:txBody>
+          <a:bodyPr/>
+          <a:lstStyle/>
+          <a:p>
+            <a:r>
+              <a:rPr lang="en-US"/>
+              <a:t>Experts in agile software engineering</a:t>
+            </a:r>
+            <a:endParaRPr lang="de-DE" dirty="0"/>
+          </a:p>
+        </p:txBody>
+      </p:sp>
+      <p:sp>
+        <p:nvSpPr>
+          <p:cNvPr id="4" name="Foliennummernplatzhalter 3"/>
+          <p:cNvSpPr>
+            <a:spLocks noGrp="1"/>
+          </p:cNvSpPr>
+          <p:nvPr>
+            <p:ph type="sldNum" sz="quarter" idx="11"/>
+          </p:nvPr>
+        </p:nvSpPr>
+        <p:spPr/>
+        <p:txBody>
+          <a:bodyPr/>
+          <a:lstStyle/>
+          <a:p>
+            <a:fld id="{6C6AE60A-B69C-4790-82F7-3882EDF23186}" type="slidenum">
+              <a:rPr lang="de-DE" smtClean="0"/>
+              <a:pPr/>
+              <a:t>15</a:t>
+            </a:fld>
+            <a:endParaRPr lang="de-DE" dirty="0"/>
+          </a:p>
+        </p:txBody>
+      </p:sp>
+      <p:sp>
+        <p:nvSpPr>
+          <p:cNvPr id="5" name="Titel 4"/>
+          <p:cNvSpPr>
+            <a:spLocks noGrp="1"/>
+          </p:cNvSpPr>
+          <p:nvPr>
+            <p:ph type="title"/>
+          </p:nvPr>
+        </p:nvSpPr>
+        <p:spPr/>
+        <p:txBody>
+          <a:bodyPr/>
+          <a:lstStyle/>
+          <a:p>
+            <a:r>
+              <a:rPr lang="de-DE" dirty="0"/>
+              <a:t>Mehr </a:t>
+            </a:r>
+            <a:r>
+              <a:rPr lang="de-DE" dirty="0" err="1"/>
+              <a:t>Repositories</a:t>
+            </a:r>
+            <a:r>
+              <a:rPr lang="de-DE" dirty="0"/>
+              <a:t>!</a:t>
+            </a:r>
+            <a:endParaRPr lang="en-GB" dirty="0"/>
+          </a:p>
+        </p:txBody>
+      </p:sp>
+      <p:sp>
+        <p:nvSpPr>
+          <p:cNvPr id="6" name="Textplatzhalter 5"/>
+          <p:cNvSpPr>
+            <a:spLocks noGrp="1"/>
+          </p:cNvSpPr>
+          <p:nvPr>
+            <p:ph type="body" sz="quarter" idx="12"/>
+          </p:nvPr>
+        </p:nvSpPr>
+        <p:spPr/>
+        <p:txBody>
+          <a:bodyPr/>
+          <a:lstStyle/>
+          <a:p>
+            <a:r>
+              <a:rPr lang="de-DE" dirty="0"/>
+              <a:t>z.B. </a:t>
+            </a:r>
+            <a:r>
+              <a:rPr lang="de-DE" dirty="0" err="1"/>
+              <a:t>PagingAndSortingRepository</a:t>
+            </a:r>
+            <a:r>
+              <a:rPr lang="de-DE" dirty="0"/>
+              <a:t> verwenden</a:t>
+            </a:r>
+          </a:p>
+          <a:p>
+            <a:endParaRPr lang="de-DE" dirty="0"/>
+          </a:p>
+          <a:p>
+            <a:pPr marL="0" indent="0">
+              <a:buNone/>
+            </a:pPr>
+            <a:r>
+              <a:rPr lang="de-DE" dirty="0"/>
+              <a:t>(Optionale Übung) </a:t>
+            </a:r>
+          </a:p>
+          <a:p>
+            <a:pPr>
+              <a:buFont typeface="Symbol" panose="05050102010706020507" pitchFamily="18" charset="2"/>
+              <a:buChar char="Þ"/>
+            </a:pPr>
+            <a:r>
+              <a:rPr lang="de-DE" dirty="0" smtClean="0"/>
+              <a:t>Paginierung </a:t>
+            </a:r>
+            <a:r>
+              <a:rPr lang="de-DE" dirty="0"/>
+              <a:t>auf der Hauptseite </a:t>
+            </a:r>
+            <a:r>
+              <a:rPr lang="de-DE" dirty="0" smtClean="0"/>
+              <a:t>einbauen</a:t>
+            </a:r>
+          </a:p>
+          <a:p>
+            <a:pPr marL="0" indent="0">
+              <a:buNone/>
+            </a:pPr>
+            <a:endParaRPr lang="en-GB" dirty="0"/>
+          </a:p>
+        </p:txBody>
+      </p:sp>
+    </p:spTree>
+    <p:extLst>
+      <p:ext uri="{BB962C8B-B14F-4D97-AF65-F5344CB8AC3E}">
+        <p14:creationId xmlns:p14="http://schemas.microsoft.com/office/powerpoint/2010/main" val="2556789835"/>
+      </p:ext>
+    </p:extLst>
+  </p:cSld>
+  <p:clrMapOvr>
+    <a:masterClrMapping/>
+  </p:clrMapOvr>
+  <p:timing>
+    <p:tnLst>
+      <p:par>
+        <p:cTn id="1" dur="indefinite" restart="never" nodeType="tmRoot"/>
+      </p:par>
+    </p:tnLst>
+  </p:timing>
+</p:sld>
+</file>
+
+<file path=ppt/slides/slide16.xml><?xml version="1.0" encoding="utf-8"?>
+<p:sld xmlns:a="http://schemas.openxmlformats.org/drawingml/2006/main" xmlns:r="http://schemas.openxmlformats.org/officeDocument/2006/relationships" xmlns:p="http://schemas.openxmlformats.org/presentationml/2006/main">
+  <p:cSld>
+    <p:spTree>
+      <p:nvGrpSpPr>
+        <p:cNvPr id="1" name=""/>
+        <p:cNvGrpSpPr/>
+        <p:nvPr/>
+      </p:nvGrpSpPr>
+      <p:grpSpPr>
+        <a:xfrm>
+          <a:off x="0" y="0"/>
+          <a:ext cx="0" cy="0"/>
+          <a:chOff x="0" y="0"/>
+          <a:chExt cx="0" cy="0"/>
+        </a:xfrm>
+      </p:grpSpPr>
+      <p:sp>
+        <p:nvSpPr>
+          <p:cNvPr id="3" name="Fußzeilenplatzhalter 2"/>
+          <p:cNvSpPr>
+            <a:spLocks noGrp="1"/>
+          </p:cNvSpPr>
+          <p:nvPr>
+            <p:ph type="ftr" sz="quarter" idx="10"/>
+          </p:nvPr>
+        </p:nvSpPr>
+        <p:spPr/>
+        <p:txBody>
+          <a:bodyPr/>
+          <a:lstStyle/>
+          <a:p>
+            <a:r>
+              <a:rPr lang="en-US"/>
+              <a:t>Experts in agile software engineering</a:t>
+            </a:r>
+            <a:endParaRPr lang="de-DE" dirty="0"/>
+          </a:p>
+        </p:txBody>
+      </p:sp>
+      <p:sp>
+        <p:nvSpPr>
+          <p:cNvPr id="4" name="Foliennummernplatzhalter 3"/>
+          <p:cNvSpPr>
+            <a:spLocks noGrp="1"/>
+          </p:cNvSpPr>
+          <p:nvPr>
+            <p:ph type="sldNum" sz="quarter" idx="11"/>
+          </p:nvPr>
+        </p:nvSpPr>
+        <p:spPr/>
+        <p:txBody>
+          <a:bodyPr/>
+          <a:lstStyle/>
+          <a:p>
+            <a:fld id="{6C6AE60A-B69C-4790-82F7-3882EDF23186}" type="slidenum">
+              <a:rPr lang="de-DE" smtClean="0"/>
+              <a:pPr/>
+              <a:t>16</a:t>
+            </a:fld>
+            <a:endParaRPr lang="de-DE" dirty="0"/>
+          </a:p>
+        </p:txBody>
+      </p:sp>
+      <p:sp>
+        <p:nvSpPr>
+          <p:cNvPr id="5" name="Titel 4"/>
+          <p:cNvSpPr>
+            <a:spLocks noGrp="1"/>
+          </p:cNvSpPr>
+          <p:nvPr>
+            <p:ph type="title"/>
+          </p:nvPr>
+        </p:nvSpPr>
+        <p:spPr>
+          <a:xfrm>
+            <a:off x="457200" y="1813252"/>
+            <a:ext cx="8229600" cy="783696"/>
+          </a:xfrm>
+        </p:spPr>
+        <p:txBody>
+          <a:bodyPr>
+            <a:noAutofit/>
+          </a:bodyPr>
+          <a:lstStyle/>
+          <a:p>
+            <a:pPr algn="ctr"/>
+            <a:r>
+              <a:rPr lang="de-DE" sz="4000" dirty="0"/>
+              <a:t>Danke </a:t>
+            </a:r>
+            <a:r>
+              <a:rPr lang="de-DE" sz="4000" dirty="0">
+                <a:sym typeface="Wingdings" panose="05000000000000000000" pitchFamily="2" charset="2"/>
+              </a:rPr>
+              <a:t></a:t>
+            </a:r>
+            <a:br>
+              <a:rPr lang="de-DE" sz="4000" dirty="0">
+                <a:sym typeface="Wingdings" panose="05000000000000000000" pitchFamily="2" charset="2"/>
+              </a:rPr>
+            </a:br>
+            <a:r>
+              <a:rPr lang="de-DE" sz="4000" dirty="0">
+                <a:sym typeface="Wingdings" panose="05000000000000000000" pitchFamily="2" charset="2"/>
+              </a:rPr>
+              <a:t/>
+            </a:r>
+            <a:br>
+              <a:rPr lang="de-DE" sz="4000" dirty="0">
+                <a:sym typeface="Wingdings" panose="05000000000000000000" pitchFamily="2" charset="2"/>
+              </a:rPr>
+            </a:br>
+            <a:r>
+              <a:rPr lang="de-DE" sz="4000" dirty="0">
+                <a:sym typeface="Wingdings" panose="05000000000000000000" pitchFamily="2" charset="2"/>
+              </a:rPr>
+              <a:t>Fragen?</a:t>
+            </a:r>
+            <a:endParaRPr lang="en-GB" sz="4000" dirty="0"/>
+          </a:p>
+        </p:txBody>
+      </p:sp>
+      <p:sp>
+        <p:nvSpPr>
+          <p:cNvPr id="2" name="Textplatzhalter 1"/>
+          <p:cNvSpPr>
+            <a:spLocks noGrp="1"/>
+          </p:cNvSpPr>
+          <p:nvPr>
+            <p:ph type="body" sz="quarter" idx="12"/>
+          </p:nvPr>
+        </p:nvSpPr>
+        <p:spPr>
+          <a:xfrm>
+            <a:off x="457200" y="3916218"/>
+            <a:ext cx="8229600" cy="792942"/>
+          </a:xfrm>
+        </p:spPr>
+        <p:txBody>
+          <a:bodyPr>
+            <a:normAutofit/>
+          </a:bodyPr>
+          <a:lstStyle/>
+          <a:p>
+            <a:pPr marL="0" indent="0">
+              <a:buNone/>
+            </a:pPr>
+            <a:r>
+              <a:rPr lang="de-DE" sz="2000" dirty="0" err="1">
+                <a:solidFill>
+                  <a:schemeClr val="accent1"/>
+                </a:solidFill>
+              </a:rPr>
+              <a:t>christoph.kurrat</a:t>
+            </a:r>
+            <a:r>
+              <a:rPr lang="en-US" sz="2000" dirty="0">
+                <a:solidFill>
+                  <a:schemeClr val="accent1"/>
+                </a:solidFill>
+              </a:rPr>
+              <a:t>@andrena.de</a:t>
+            </a:r>
+          </a:p>
+          <a:p>
+            <a:pPr marL="0" indent="0">
+              <a:buNone/>
+            </a:pPr>
+            <a:r>
+              <a:rPr lang="en-US" sz="2000" dirty="0">
+                <a:solidFill>
+                  <a:schemeClr val="accent1"/>
+                </a:solidFill>
+              </a:rPr>
+              <a:t>bonnie.chow@andrena.de </a:t>
+            </a:r>
+            <a:endParaRPr lang="de-DE" sz="2000" dirty="0">
+              <a:solidFill>
+                <a:schemeClr val="accent1"/>
+              </a:solidFill>
+            </a:endParaRPr>
+          </a:p>
+        </p:txBody>
+      </p:sp>
+    </p:spTree>
+    <p:extLst>
+      <p:ext uri="{BB962C8B-B14F-4D97-AF65-F5344CB8AC3E}">
+        <p14:creationId xmlns:p14="http://schemas.microsoft.com/office/powerpoint/2010/main" val="957789944"/>
+      </p:ext>
+    </p:extLst>
+  </p:cSld>
+  <p:clrMapOvr>
+    <a:masterClrMapping/>
+  </p:clrMapOvr>
+</p:sld>
+</file>
+
+<file path=ppt/slides/slide17.xml><?xml version="1.0" encoding="utf-8"?>
+<p:sld xmlns:a="http://schemas.openxmlformats.org/drawingml/2006/main" xmlns:r="http://schemas.openxmlformats.org/officeDocument/2006/relationships" xmlns:p="http://schemas.openxmlformats.org/presentationml/2006/main">
+  <p:cSld>
+    <p:spTree>
+      <p:nvGrpSpPr>
+        <p:cNvPr id="1" name=""/>
+        <p:cNvGrpSpPr/>
+        <p:nvPr/>
+      </p:nvGrpSpPr>
+      <p:grpSpPr>
+        <a:xfrm>
+          <a:off x="0" y="0"/>
+          <a:ext cx="0" cy="0"/>
+          <a:chOff x="0" y="0"/>
+          <a:chExt cx="0" cy="0"/>
+        </a:xfrm>
+      </p:grpSpPr>
+      <p:sp>
+        <p:nvSpPr>
+          <p:cNvPr id="2" name="Textplatzhalter 1"/>
+          <p:cNvSpPr>
+            <a:spLocks noGrp="1"/>
+          </p:cNvSpPr>
+          <p:nvPr>
+            <p:ph type="body" sz="half" idx="2"/>
+          </p:nvPr>
+        </p:nvSpPr>
+        <p:spPr/>
+        <p:txBody>
+          <a:bodyPr>
+            <a:normAutofit fontScale="85000" lnSpcReduction="10000"/>
+          </a:bodyPr>
+          <a:lstStyle/>
+          <a:p>
+            <a:r>
+              <a:rPr lang="de-DE" dirty="0"/>
+              <a:t>15 min</a:t>
+            </a:r>
+            <a:endParaRPr lang="en-GB" dirty="0"/>
+          </a:p>
+        </p:txBody>
+      </p:sp>
+      <p:sp>
+        <p:nvSpPr>
+          <p:cNvPr id="3" name="Fußzeilenplatzhalter 2"/>
+          <p:cNvSpPr>
+            <a:spLocks noGrp="1"/>
+          </p:cNvSpPr>
+          <p:nvPr>
+            <p:ph type="ftr" sz="quarter" idx="10"/>
+          </p:nvPr>
+        </p:nvSpPr>
+        <p:spPr/>
+        <p:txBody>
+          <a:bodyPr/>
+          <a:lstStyle/>
+          <a:p>
+            <a:r>
+              <a:rPr lang="en-US"/>
+              <a:t>Experts in agile software engineering</a:t>
+            </a:r>
+            <a:endParaRPr lang="de-DE" dirty="0"/>
+          </a:p>
+        </p:txBody>
+      </p:sp>
+      <p:sp>
+        <p:nvSpPr>
+          <p:cNvPr id="4" name="Foliennummernplatzhalter 3"/>
+          <p:cNvSpPr>
+            <a:spLocks noGrp="1"/>
+          </p:cNvSpPr>
+          <p:nvPr>
+            <p:ph type="sldNum" sz="quarter" idx="11"/>
+          </p:nvPr>
+        </p:nvSpPr>
+        <p:spPr/>
+        <p:txBody>
+          <a:bodyPr/>
+          <a:lstStyle/>
+          <a:p>
+            <a:fld id="{6C6AE60A-B69C-4790-82F7-3882EDF23186}" type="slidenum">
+              <a:rPr lang="de-DE" smtClean="0"/>
+              <a:pPr/>
+              <a:t>17</a:t>
+            </a:fld>
+            <a:endParaRPr lang="de-DE" dirty="0"/>
+          </a:p>
+        </p:txBody>
+      </p:sp>
+      <p:sp>
+        <p:nvSpPr>
+          <p:cNvPr id="5" name="Titel 4"/>
+          <p:cNvSpPr>
+            <a:spLocks noGrp="1"/>
+          </p:cNvSpPr>
+          <p:nvPr>
+            <p:ph type="title"/>
+          </p:nvPr>
+        </p:nvSpPr>
+        <p:spPr/>
+        <p:txBody>
+          <a:bodyPr/>
+          <a:lstStyle/>
+          <a:p>
+            <a:r>
+              <a:rPr lang="de-DE" dirty="0"/>
               <a:t>Further Reading, Resources</a:t>
             </a:r>
             <a:endParaRPr lang="en-GB" dirty="0"/>
@@ -6903,8 +7684,19 @@
           <a:p>
             <a:r>
               <a:rPr lang="de-DE" dirty="0"/>
-              <a:t>Tutorials von Spring</a:t>
-            </a:r>
+              <a:t>Tutorials von </a:t>
+            </a:r>
+            <a:r>
+              <a:rPr lang="de-DE" dirty="0" smtClean="0"/>
+              <a:t>Spring</a:t>
+            </a:r>
+          </a:p>
+          <a:p>
+            <a:r>
+              <a:rPr lang="de-DE" dirty="0" err="1" smtClean="0"/>
+              <a:t>MockMVC</a:t>
+            </a:r>
+            <a:endParaRPr lang="de-DE" dirty="0"/>
           </a:p>
           <a:p>
             <a:r>
@@ -6913,21 +7705,42 @@
             </a:r>
             <a:r>
               <a:rPr lang="de-DE" dirty="0"/>
-              <a:t> Store</a:t>
-            </a:r>
-            <a:br>
-              <a:rPr lang="de-DE" dirty="0"/>
-            </a:br>
-            <a:r>
-              <a:rPr lang="de-DE" dirty="0"/>
-              <a:t>=&gt; </a:t>
+              <a:t> </a:t>
+            </a:r>
+            <a:r>
+              <a:rPr lang="de-DE" dirty="0" smtClean="0"/>
+              <a:t>Store</a:t>
+            </a:r>
+          </a:p>
+          <a:p>
+            <a:pPr>
+              <a:buFont typeface="Symbol" panose="05050102010706020507" pitchFamily="18" charset="2"/>
+              <a:buChar char="Þ"/>
+            </a:pPr>
+            <a:r>
+              <a:rPr lang="de-DE" dirty="0" smtClean="0">
+                <a:hlinkClick r:id="rId2"/>
+              </a:rPr>
+              <a:t>https</a:t>
             </a:r>
             <a:r>
               <a:rPr lang="de-DE" dirty="0">
                 <a:hlinkClick r:id="rId2"/>
               </a:rPr>
-              <a:t>https://github.com/olivergierke/spring-restbucks</a:t>
-            </a:r>
+              <a:t>://</a:t>
+            </a:r>
+            <a:r>
+              <a:rPr lang="de-DE" dirty="0" smtClean="0">
+                <a:hlinkClick r:id="rId2"/>
+              </a:rPr>
+              <a:t>github.com/olivergierke/spring-restbucks</a:t>
+            </a:r>
+            <a:endParaRPr lang="de-DE" dirty="0" smtClean="0"/>
+          </a:p>
+          <a:p>
+            <a:pPr marL="0" indent="0">
+              <a:buNone/>
+            </a:pPr>
             <a:endParaRPr lang="de-DE" dirty="0"/>
           </a:p>
           <a:p>
@@ -6951,6 +7764,13 @@
   <p:clrMapOvr>
     <a:masterClrMapping/>
   </p:clrMapOvr>
+  <p:timing>
+    <p:tnLst>
+      <p:par>
+        <p:cTn id="1" dur="indefinite" restart="never" nodeType="tmRoot"/>
+      </p:par>
+    </p:tnLst>
+  </p:timing>
 </p:sld>
 </file>
 
@@ -7857,7 +8677,17 @@
               <a:rPr lang="de-DE" dirty="0">
                 <a:hlinkClick r:id="rId2"/>
               </a:rPr>
-              <a:t>https://github.com/bonnie-chow/springBoot-springData.git</a:t>
+              <a:t>https://</a:t>
+            </a:r>
+            <a:r>
+              <a:rPr lang="de-DE" dirty="0" smtClean="0">
+                <a:hlinkClick r:id="rId2"/>
+              </a:rPr>
+              <a:t>github.com/andrena/oop-springboot-springdata-server.git</a:t>
+            </a:r>
+            <a:r>
+              <a:rPr lang="de-DE" dirty="0"/>
+              <a:t/>
             </a:r>
             <a:br>
               <a:rPr lang="de-DE" dirty="0"/>
@@ -7866,8 +8696,21 @@
               <a:rPr lang="de-DE" dirty="0">
                 <a:hlinkClick r:id="rId3"/>
               </a:rPr>
-              <a:t>https://github.com/bonnie-chow/springBoot-springData-client.git</a:t>
-            </a:r>
+              <a:t>https://</a:t>
+            </a:r>
+            <a:r>
+              <a:rPr lang="de-DE" dirty="0" smtClean="0">
+                <a:hlinkClick r:id="rId3"/>
+              </a:rPr>
+              <a:t>github.com/andrena/oop-springboot-springdata-client.git</a:t>
+            </a:r>
+            <a:r>
+              <a:rPr lang="de-DE" dirty="0" smtClean="0"/>
+              <a:t/>
+            </a:r>
+            <a:br>
+              <a:rPr lang="de-DE" dirty="0" smtClean="0"/>
+            </a:br>
             <a:endParaRPr lang="de-DE" dirty="0"/>
           </a:p>
           <a:p>
@@ -8143,9 +8986,24 @@
               <a:buNone/>
             </a:pPr>
             <a:r>
-              <a:rPr lang="de-DE" dirty="0"/>
-              <a:t>https://docs.spring.io/spring-data/jpa/docs/current/reference/html</a:t>
-            </a:r>
+              <a:rPr lang="de-DE" dirty="0">
+                <a:hlinkClick r:id="rId3"/>
+              </a:rPr>
+              <a:t>https://</a:t>
+            </a:r>
+            <a:r>
+              <a:rPr lang="de-DE" dirty="0" smtClean="0">
+                <a:hlinkClick r:id="rId3"/>
+              </a:rPr>
+              <a:t>docs.spring.io/spring-data/jpa/docs/current/reference/html</a:t>
+            </a:r>
+            <a:endParaRPr lang="de-DE" dirty="0" smtClean="0"/>
+          </a:p>
+          <a:p>
+            <a:pPr marL="0" indent="0">
+              <a:buNone/>
+            </a:pPr>
+            <a:endParaRPr lang="de-DE" dirty="0"/>
           </a:p>
         </p:txBody>
       </p:sp>
@@ -8480,13 +9338,23 @@
             <a:endParaRPr lang="de-DE" dirty="0"/>
           </a:p>
           <a:p>
-            <a:pPr marL="0" indent="0">
-              <a:buNone/>
+            <a:pPr>
+              <a:buFont typeface="Symbol" panose="05050102010706020507" pitchFamily="18" charset="2"/>
+              <a:buChar char="Þ"/>
             </a:pPr>
             <a:r>
-              <a:rPr lang="de-DE" dirty="0"/>
-              <a:t>=&gt; nachprüfen mit HAL Browser oder Postman</a:t>
-            </a:r>
+              <a:rPr lang="de-DE" dirty="0" smtClean="0"/>
+              <a:t>nachprüfen </a:t>
+            </a:r>
+            <a:r>
+              <a:rPr lang="de-DE" dirty="0"/>
+              <a:t>mit HAL Browser oder </a:t>
+            </a:r>
+            <a:r>
+              <a:rPr lang="de-DE" dirty="0" smtClean="0"/>
+              <a:t>Postman</a:t>
+            </a:r>
+            <a:endParaRPr lang="de-DE" dirty="0"/>
           </a:p>
         </p:txBody>
       </p:sp>
@@ -9784,21 +10652,21 @@
 </file>
 
 <file path=customXml/item1.xml><?xml version="1.0" encoding="utf-8"?>
+<?mso-contentType ?>
+<FormTemplates xmlns="http://schemas.microsoft.com/sharepoint/v3/contenttype/forms">
+  <Display>DocumentLibraryForm</Display>
+  <Edit>DocumentLibraryForm</Edit>
+  <New>DocumentLibraryForm</New>
+</FormTemplates>
+</file>
+
+<file path=customXml/item2.xml><?xml version="1.0" encoding="utf-8"?>
 <p:properties xmlns:p="http://schemas.microsoft.com/office/2006/metadata/properties" xmlns:xsi="http://www.w3.org/2001/XMLSchema-instance" xmlns:pc="http://schemas.microsoft.com/office/infopath/2007/PartnerControls">
   <documentManagement>
     <_Version xmlns="http://schemas.microsoft.com/sharepoint/v3/fields" xsi:nil="true"/>
     <_Status xmlns="http://schemas.microsoft.com/sharepoint/v3/fields">Not Started</_Status>
   </documentManagement>
 </p:properties>
-</file>
-
-<file path=customXml/item2.xml><?xml version="1.0" encoding="utf-8"?>
-<?mso-contentType ?>
-<FormTemplates xmlns="http://schemas.microsoft.com/sharepoint/v3/contenttype/forms">
-  <Display>DocumentLibraryForm</Display>
-  <Edit>DocumentLibraryForm</Edit>
-  <New>DocumentLibraryForm</New>
-</FormTemplates>
 </file>
 
 <file path=customXml/item3.xml><?xml version="1.0" encoding="utf-8"?>
@@ -9946,6 +10814,14 @@
 </file>
 
 <file path=customXml/itemProps1.xml><?xml version="1.0" encoding="utf-8"?>
+<ds:datastoreItem xmlns:ds="http://schemas.openxmlformats.org/officeDocument/2006/customXml" ds:itemID="{87D2A1B0-FF3E-4009-940D-AED0EB70AA20}">
+  <ds:schemaRefs>
+    <ds:schemaRef ds:uri="http://schemas.microsoft.com/sharepoint/v3/contenttype/forms"/>
+  </ds:schemaRefs>
+</ds:datastoreItem>
+</file>
+
+<file path=customXml/itemProps2.xml><?xml version="1.0" encoding="utf-8"?>
 <ds:datastoreItem xmlns:ds="http://schemas.openxmlformats.org/officeDocument/2006/customXml" ds:itemID="{7B6F2769-7194-4217-93D3-3AF3A4742282}">
   <ds:schemaRefs>
     <ds:schemaRef ds:uri="http://schemas.microsoft.com/office/2006/metadata/properties"/>
@@ -9957,14 +10833,6 @@
     <ds:schemaRef ds:uri="http://schemas.microsoft.com/office/infopath/2007/PartnerControls"/>
     <ds:schemaRef ds:uri="http://schemas.microsoft.com/sharepoint/v3/fields"/>
     <ds:schemaRef ds:uri="http://www.w3.org/XML/1998/namespace"/>
-  </ds:schemaRefs>
-</ds:datastoreItem>
-</file>
-
-<file path=customXml/itemProps2.xml><?xml version="1.0" encoding="utf-8"?>
-<ds:datastoreItem xmlns:ds="http://schemas.openxmlformats.org/officeDocument/2006/customXml" ds:itemID="{87D2A1B0-FF3E-4009-940D-AED0EB70AA20}">
-  <ds:schemaRefs>
-    <ds:schemaRef ds:uri="http://schemas.microsoft.com/sharepoint/v3/contenttype/forms"/>
   </ds:schemaRefs>
 </ds:datastoreItem>
 </file>

--- a/slides.pptx
+++ b/slides.pptx
@@ -232,7 +232,7 @@
           <a:p>
             <a:fld id="{1869EC12-32BB-B84B-964B-77CD8A6EA5B5}" type="datetimeFigureOut">
               <a:rPr lang="de-DE" smtClean="0"/>
-              <a:t>27.11.2017</a:t>
+              <a:t>08.02.2018</a:t>
             </a:fld>
             <a:endParaRPr lang="de-DE" dirty="0"/>
           </a:p>
@@ -398,7 +398,7 @@
           <a:p>
             <a:fld id="{396D8CEF-220A-EC43-8099-BAE7D65DBE3D}" type="datetimeFigureOut">
               <a:rPr lang="de-DE" smtClean="0"/>
-              <a:t>27.11.2017</a:t>
+              <a:t>08.02.2018</a:t>
             </a:fld>
             <a:endParaRPr lang="de-DE" dirty="0"/>
           </a:p>
@@ -6270,7 +6270,7 @@
           <p:cNvPr id="8" name="Grafik 7">
             <a:extLst>
               <a:ext uri="{FF2B5EF4-FFF2-40B4-BE49-F238E27FC236}">
-                <a16:creationId xmlns:a16="http://schemas.microsoft.com/office/drawing/2014/main" xmlns="" id="{B7FA2F16-7A8E-4172-8A76-296DFB9E8272}"/>
+                <a16:creationId xmlns="" xmlns:a16="http://schemas.microsoft.com/office/drawing/2014/main" id="{B7FA2F16-7A8E-4172-8A76-296DFB9E8272}"/>
               </a:ext>
             </a:extLst>
           </p:cNvPr>
@@ -8745,7 +8745,19 @@
               <a:rPr lang="de-DE" dirty="0">
                 <a:hlinkClick r:id="rId5"/>
               </a:rPr>
-              <a:t>http://localhost:8090/agenda</a:t>
+              <a:t>http</a:t>
+            </a:r>
+            <a:r>
+              <a:rPr lang="de-DE">
+                <a:hlinkClick r:id="rId5"/>
+              </a:rPr>
+              <a:t>://</a:t>
+            </a:r>
+            <a:r>
+              <a:rPr lang="de-DE" smtClean="0">
+                <a:hlinkClick r:id="rId5"/>
+              </a:rPr>
+              <a:t>localhost:8080/agenda</a:t>
             </a:r>
             <a:endParaRPr lang="de-DE" dirty="0"/>
           </a:p>
@@ -10652,21 +10664,21 @@
 </file>
 
 <file path=customXml/item1.xml><?xml version="1.0" encoding="utf-8"?>
+<p:properties xmlns:p="http://schemas.microsoft.com/office/2006/metadata/properties" xmlns:xsi="http://www.w3.org/2001/XMLSchema-instance" xmlns:pc="http://schemas.microsoft.com/office/infopath/2007/PartnerControls">
+  <documentManagement>
+    <_Version xmlns="http://schemas.microsoft.com/sharepoint/v3/fields" xsi:nil="true"/>
+    <_Status xmlns="http://schemas.microsoft.com/sharepoint/v3/fields">Not Started</_Status>
+  </documentManagement>
+</p:properties>
+</file>
+
+<file path=customXml/item2.xml><?xml version="1.0" encoding="utf-8"?>
 <?mso-contentType ?>
 <FormTemplates xmlns="http://schemas.microsoft.com/sharepoint/v3/contenttype/forms">
   <Display>DocumentLibraryForm</Display>
   <Edit>DocumentLibraryForm</Edit>
   <New>DocumentLibraryForm</New>
 </FormTemplates>
-</file>
-
-<file path=customXml/item2.xml><?xml version="1.0" encoding="utf-8"?>
-<p:properties xmlns:p="http://schemas.microsoft.com/office/2006/metadata/properties" xmlns:xsi="http://www.w3.org/2001/XMLSchema-instance" xmlns:pc="http://schemas.microsoft.com/office/infopath/2007/PartnerControls">
-  <documentManagement>
-    <_Version xmlns="http://schemas.microsoft.com/sharepoint/v3/fields" xsi:nil="true"/>
-    <_Status xmlns="http://schemas.microsoft.com/sharepoint/v3/fields">Not Started</_Status>
-  </documentManagement>
-</p:properties>
 </file>
 
 <file path=customXml/item3.xml><?xml version="1.0" encoding="utf-8"?>
@@ -10814,14 +10826,6 @@
 </file>
 
 <file path=customXml/itemProps1.xml><?xml version="1.0" encoding="utf-8"?>
-<ds:datastoreItem xmlns:ds="http://schemas.openxmlformats.org/officeDocument/2006/customXml" ds:itemID="{87D2A1B0-FF3E-4009-940D-AED0EB70AA20}">
-  <ds:schemaRefs>
-    <ds:schemaRef ds:uri="http://schemas.microsoft.com/sharepoint/v3/contenttype/forms"/>
-  </ds:schemaRefs>
-</ds:datastoreItem>
-</file>
-
-<file path=customXml/itemProps2.xml><?xml version="1.0" encoding="utf-8"?>
 <ds:datastoreItem xmlns:ds="http://schemas.openxmlformats.org/officeDocument/2006/customXml" ds:itemID="{7B6F2769-7194-4217-93D3-3AF3A4742282}">
   <ds:schemaRefs>
     <ds:schemaRef ds:uri="http://schemas.microsoft.com/office/2006/metadata/properties"/>
@@ -10833,6 +10837,14 @@
     <ds:schemaRef ds:uri="http://schemas.microsoft.com/office/infopath/2007/PartnerControls"/>
     <ds:schemaRef ds:uri="http://schemas.microsoft.com/sharepoint/v3/fields"/>
     <ds:schemaRef ds:uri="http://www.w3.org/XML/1998/namespace"/>
+  </ds:schemaRefs>
+</ds:datastoreItem>
+</file>
+
+<file path=customXml/itemProps2.xml><?xml version="1.0" encoding="utf-8"?>
+<ds:datastoreItem xmlns:ds="http://schemas.openxmlformats.org/officeDocument/2006/customXml" ds:itemID="{87D2A1B0-FF3E-4009-940D-AED0EB70AA20}">
+  <ds:schemaRefs>
+    <ds:schemaRef ds:uri="http://schemas.microsoft.com/sharepoint/v3/contenttype/forms"/>
   </ds:schemaRefs>
 </ds:datastoreItem>
 </file>

--- a/slides.pptx
+++ b/slides.pptx
@@ -1287,26 +1287,6 @@
           <a:bodyPr/>
           <a:lstStyle/>
           <a:p>
-            <a:r>
-              <a:rPr lang="de-DE" dirty="0"/>
-              <a:t>Umbauen: Links nutzen; vorher im Server Links brechen, siehe </a:t>
-            </a:r>
-            <a:r>
-              <a:rPr lang="de-DE" dirty="0" err="1"/>
-              <a:t>branch</a:t>
-            </a:r>
-            <a:r>
-              <a:rPr lang="de-DE" dirty="0"/>
-              <a:t> (</a:t>
-            </a:r>
-            <a:r>
-              <a:rPr lang="de-DE" dirty="0" err="1"/>
-              <a:t>path</a:t>
-            </a:r>
-            <a:r>
-              <a:rPr lang="de-DE" dirty="0"/>
-              <a:t> ändern)</a:t>
-            </a:r>
             <a:endParaRPr lang="en-GB" dirty="0"/>
           </a:p>
         </p:txBody>
@@ -6270,7 +6250,7 @@
           <p:cNvPr id="8" name="Grafik 7">
             <a:extLst>
               <a:ext uri="{FF2B5EF4-FFF2-40B4-BE49-F238E27FC236}">
-                <a16:creationId xmlns="" xmlns:a16="http://schemas.microsoft.com/office/drawing/2014/main" id="{B7FA2F16-7A8E-4172-8A76-296DFB9E8272}"/>
+                <a16:creationId xmlns:a16="http://schemas.microsoft.com/office/drawing/2014/main" xmlns="" id="{B7FA2F16-7A8E-4172-8A76-296DFB9E8272}"/>
               </a:ext>
             </a:extLst>
           </p:cNvPr>
@@ -7876,11 +7856,7 @@
           <a:lstStyle/>
           <a:p>
             <a:r>
-              <a:rPr lang="en-US" dirty="0"/>
-              <a:t>“</a:t>
-            </a:r>
-            <a:r>
-              <a:rPr lang="de-DE" dirty="0"/>
+              <a:rPr lang="de-DE" dirty="0" smtClean="0"/>
               <a:t>Inversion </a:t>
             </a:r>
             <a:r>
@@ -7889,7 +7865,15 @@
             </a:r>
             <a:r>
               <a:rPr lang="de-DE" dirty="0"/>
-              <a:t> Control“ Framework für Java </a:t>
+              <a:t> </a:t>
+            </a:r>
+            <a:r>
+              <a:rPr lang="de-DE" dirty="0" smtClean="0"/>
+              <a:t>Control </a:t>
+            </a:r>
+            <a:r>
+              <a:rPr lang="de-DE" dirty="0"/>
+              <a:t>Framework für Java </a:t>
             </a:r>
           </a:p>
           <a:p>
@@ -7898,15 +7882,11 @@
               <a:t>Setzt auf </a:t>
             </a:r>
             <a:r>
-              <a:rPr lang="en-US" dirty="0"/>
-              <a:t>“</a:t>
-            </a:r>
-            <a:r>
-              <a:rPr lang="de-DE" dirty="0" err="1"/>
+              <a:rPr lang="de-DE" dirty="0" err="1" smtClean="0"/>
               <a:t>Convention</a:t>
             </a:r>
             <a:r>
-              <a:rPr lang="de-DE" dirty="0"/>
+              <a:rPr lang="de-DE" dirty="0" smtClean="0"/>
               <a:t> </a:t>
             </a:r>
             <a:r>
@@ -7918,18 +7898,23 @@
               <a:t> </a:t>
             </a:r>
             <a:r>
-              <a:rPr lang="de-DE" dirty="0" err="1"/>
+              <a:rPr lang="de-DE" dirty="0" err="1" smtClean="0"/>
               <a:t>Configuration</a:t>
             </a:r>
-            <a:r>
-              <a:rPr lang="de-DE" dirty="0"/>
-              <a:t>„</a:t>
-            </a:r>
-          </a:p>
-          <a:p>
-            <a:r>
-              <a:rPr lang="de-DE" dirty="0"/>
-              <a:t>Vereinfacht die Infrastruktur-Setup und </a:t>
+            <a:endParaRPr lang="de-DE" dirty="0"/>
+          </a:p>
+          <a:p>
+            <a:r>
+              <a:rPr lang="de-DE" dirty="0"/>
+              <a:t>Vereinfacht </a:t>
+            </a:r>
+            <a:r>
+              <a:rPr lang="de-DE" dirty="0" smtClean="0"/>
+              <a:t>Infrastruktur-Setup </a:t>
+            </a:r>
+            <a:r>
+              <a:rPr lang="de-DE" dirty="0"/>
+              <a:t>und </a:t>
             </a:r>
             <a:r>
               <a:rPr lang="de-DE" dirty="0" err="1"/>
@@ -8064,15 +8049,23 @@
           <a:p>
             <a:r>
               <a:rPr lang="de-DE" dirty="0"/>
-              <a:t>Bietet die Springprojekte als fertige “Starter” </a:t>
-            </a:r>
-            <a:r>
-              <a:rPr lang="de-DE" dirty="0" err="1"/>
-              <a:t>bundles</a:t>
-            </a:r>
-            <a:r>
-              <a:rPr lang="de-DE" dirty="0"/>
-              <a:t> an, z.B. als </a:t>
+              <a:t>Bietet </a:t>
+            </a:r>
+            <a:r>
+              <a:rPr lang="de-DE" dirty="0" smtClean="0"/>
+              <a:t>Springprojekte </a:t>
+            </a:r>
+            <a:r>
+              <a:rPr lang="de-DE" dirty="0"/>
+              <a:t>als fertige </a:t>
+            </a:r>
+            <a:r>
+              <a:rPr lang="de-DE" dirty="0" smtClean="0"/>
+              <a:t>Starter-Bundles </a:t>
+            </a:r>
+            <a:r>
+              <a:rPr lang="de-DE" dirty="0"/>
+              <a:t>an, z.B. als </a:t>
             </a:r>
             <a:r>
               <a:rPr lang="de-DE" dirty="0" err="1"/>
@@ -10664,21 +10657,21 @@
 </file>
 
 <file path=customXml/item1.xml><?xml version="1.0" encoding="utf-8"?>
+<?mso-contentType ?>
+<FormTemplates xmlns="http://schemas.microsoft.com/sharepoint/v3/contenttype/forms">
+  <Display>DocumentLibraryForm</Display>
+  <Edit>DocumentLibraryForm</Edit>
+  <New>DocumentLibraryForm</New>
+</FormTemplates>
+</file>
+
+<file path=customXml/item2.xml><?xml version="1.0" encoding="utf-8"?>
 <p:properties xmlns:p="http://schemas.microsoft.com/office/2006/metadata/properties" xmlns:xsi="http://www.w3.org/2001/XMLSchema-instance" xmlns:pc="http://schemas.microsoft.com/office/infopath/2007/PartnerControls">
   <documentManagement>
     <_Version xmlns="http://schemas.microsoft.com/sharepoint/v3/fields" xsi:nil="true"/>
     <_Status xmlns="http://schemas.microsoft.com/sharepoint/v3/fields">Not Started</_Status>
   </documentManagement>
 </p:properties>
-</file>
-
-<file path=customXml/item2.xml><?xml version="1.0" encoding="utf-8"?>
-<?mso-contentType ?>
-<FormTemplates xmlns="http://schemas.microsoft.com/sharepoint/v3/contenttype/forms">
-  <Display>DocumentLibraryForm</Display>
-  <Edit>DocumentLibraryForm</Edit>
-  <New>DocumentLibraryForm</New>
-</FormTemplates>
 </file>
 
 <file path=customXml/item3.xml><?xml version="1.0" encoding="utf-8"?>
@@ -10826,6 +10819,14 @@
 </file>
 
 <file path=customXml/itemProps1.xml><?xml version="1.0" encoding="utf-8"?>
+<ds:datastoreItem xmlns:ds="http://schemas.openxmlformats.org/officeDocument/2006/customXml" ds:itemID="{87D2A1B0-FF3E-4009-940D-AED0EB70AA20}">
+  <ds:schemaRefs>
+    <ds:schemaRef ds:uri="http://schemas.microsoft.com/sharepoint/v3/contenttype/forms"/>
+  </ds:schemaRefs>
+</ds:datastoreItem>
+</file>
+
+<file path=customXml/itemProps2.xml><?xml version="1.0" encoding="utf-8"?>
 <ds:datastoreItem xmlns:ds="http://schemas.openxmlformats.org/officeDocument/2006/customXml" ds:itemID="{7B6F2769-7194-4217-93D3-3AF3A4742282}">
   <ds:schemaRefs>
     <ds:schemaRef ds:uri="http://schemas.microsoft.com/office/2006/metadata/properties"/>
@@ -10837,14 +10838,6 @@
     <ds:schemaRef ds:uri="http://schemas.microsoft.com/office/infopath/2007/PartnerControls"/>
     <ds:schemaRef ds:uri="http://schemas.microsoft.com/sharepoint/v3/fields"/>
     <ds:schemaRef ds:uri="http://www.w3.org/XML/1998/namespace"/>
-  </ds:schemaRefs>
-</ds:datastoreItem>
-</file>
-
-<file path=customXml/itemProps2.xml><?xml version="1.0" encoding="utf-8"?>
-<ds:datastoreItem xmlns:ds="http://schemas.openxmlformats.org/officeDocument/2006/customXml" ds:itemID="{87D2A1B0-FF3E-4009-940D-AED0EB70AA20}">
-  <ds:schemaRefs>
-    <ds:schemaRef ds:uri="http://schemas.microsoft.com/sharepoint/v3/contenttype/forms"/>
   </ds:schemaRefs>
 </ds:datastoreItem>
 </file>
